--- a/slides/02-prompt-engineering.pptx
+++ b/slides/02-prompt-engineering.pptx
@@ -1185,7 +1185,7 @@
           <a:p>
             <a:fld id="{855B53BB-9CA8-4E36-AA7C-C10D869BF69A}" type="datetimeFigureOut">
               <a:rPr lang="en-US" smtClean="0"/>
-              <a:t>8/5/24</a:t>
+              <a:t>9/27/24</a:t>
             </a:fld>
             <a:endParaRPr lang="en-US"/>
           </a:p>
@@ -1918,7 +1918,7 @@
                 <a:tabLst/>
                 <a:defRPr/>
               </a:pPr>
-              <a:t>8/5/24 4:07 PM</a:t>
+              <a:t>9/27/24 3:46 PM</a:t>
             </a:fld>
             <a:endParaRPr kumimoji="0" lang="en-US" sz="1200" b="0" i="0" u="none" strike="noStrike" kern="1200" cap="none" spc="0" normalizeH="0" baseline="0" noProof="0" dirty="0">
               <a:ln>
@@ -2316,7 +2316,7 @@
                 <a:tabLst/>
                 <a:defRPr/>
               </a:pPr>
-              <a:t>8/5/24 4:07 PM</a:t>
+              <a:t>9/27/24 3:46 PM</a:t>
             </a:fld>
             <a:endParaRPr kumimoji="0" lang="en-US" sz="1200" b="0" i="0" u="none" strike="noStrike" kern="1200" cap="none" spc="0" normalizeH="0" baseline="0" noProof="0" dirty="0">
               <a:ln>
@@ -2707,7 +2707,7 @@
                 <a:tabLst/>
                 <a:defRPr/>
               </a:pPr>
-              <a:t>8/5/24 4:07 PM</a:t>
+              <a:t>9/27/24 3:46 PM</a:t>
             </a:fld>
             <a:endParaRPr kumimoji="0" lang="en-US" sz="1200" b="0" i="0" u="none" strike="noStrike" kern="1200" cap="none" spc="0" normalizeH="0" baseline="0" noProof="0" dirty="0">
               <a:ln>
@@ -3135,7 +3135,7 @@
                 <a:tabLst/>
                 <a:defRPr/>
               </a:pPr>
-              <a:t>8/5/24 4:07 PM</a:t>
+              <a:t>9/27/24 3:46 PM</a:t>
             </a:fld>
             <a:endParaRPr kumimoji="0" lang="en-US" sz="1200" b="0" i="0" u="none" strike="noStrike" kern="1200" cap="none" spc="0" normalizeH="0" baseline="0" noProof="0" dirty="0">
               <a:ln>
@@ -4093,7 +4093,7 @@
                 <a:tabLst/>
                 <a:defRPr/>
               </a:pPr>
-              <a:t>8/5/24 4:07 PM</a:t>
+              <a:t>9/27/24 3:46 PM</a:t>
             </a:fld>
             <a:endParaRPr kumimoji="0" lang="en-US" sz="1200" b="0" i="0" u="none" strike="noStrike" kern="1200" cap="none" spc="0" normalizeH="0" baseline="0" noProof="0" dirty="0">
               <a:ln>
@@ -4519,7 +4519,7 @@
                 <a:tabLst/>
                 <a:defRPr/>
               </a:pPr>
-              <a:t>8/5/24 4:07 PM</a:t>
+              <a:t>9/27/24 3:46 PM</a:t>
             </a:fld>
             <a:endParaRPr kumimoji="0" lang="en-US" sz="1200" b="0" i="0" u="none" strike="noStrike" kern="1200" cap="none" spc="0" normalizeH="0" baseline="0" noProof="0" dirty="0">
               <a:ln>
@@ -4948,7 +4948,7 @@
                 <a:tabLst/>
                 <a:defRPr/>
               </a:pPr>
-              <a:t>8/5/24 4:07 PM</a:t>
+              <a:t>9/27/24 3:46 PM</a:t>
             </a:fld>
             <a:endParaRPr kumimoji="0" lang="en-US" sz="1200" b="0" i="0" u="none" strike="noStrike" kern="1200" cap="none" spc="0" normalizeH="0" baseline="0" noProof="0">
               <a:ln>
@@ -5356,7 +5356,7 @@
                 <a:tabLst/>
                 <a:defRPr/>
               </a:pPr>
-              <a:t>8/5/24 4:07 PM</a:t>
+              <a:t>9/27/24 3:46 PM</a:t>
             </a:fld>
             <a:endParaRPr kumimoji="0" lang="en-US" sz="1200" b="0" i="0" u="none" strike="noStrike" kern="1200" cap="none" spc="0" normalizeH="0" baseline="0" noProof="0">
               <a:ln>
@@ -5779,7 +5779,7 @@
                 <a:tabLst/>
                 <a:defRPr/>
               </a:pPr>
-              <a:t>8/5/24 4:07 PM</a:t>
+              <a:t>9/27/24 3:46 PM</a:t>
             </a:fld>
             <a:endParaRPr kumimoji="0" lang="en-US" sz="1200" b="0" i="0" u="none" strike="noStrike" kern="1200" cap="none" spc="0" normalizeH="0" baseline="0" noProof="0">
               <a:ln>
@@ -6187,7 +6187,7 @@
                 <a:tabLst/>
                 <a:defRPr/>
               </a:pPr>
-              <a:t>8/5/24 4:07 PM</a:t>
+              <a:t>9/27/24 3:46 PM</a:t>
             </a:fld>
             <a:endParaRPr kumimoji="0" lang="en-US" sz="1200" b="0" i="0" u="none" strike="noStrike" kern="1200" cap="none" spc="0" normalizeH="0" baseline="0" noProof="0">
               <a:ln>
@@ -6584,7 +6584,7 @@
                 <a:tabLst/>
                 <a:defRPr/>
               </a:pPr>
-              <a:t>8/5/24 4:07 PM</a:t>
+              <a:t>9/27/24 3:46 PM</a:t>
             </a:fld>
             <a:endParaRPr kumimoji="0" lang="en-US" sz="1200" b="0" i="0" u="none" strike="noStrike" kern="1200" cap="none" spc="0" normalizeH="0" baseline="0" noProof="0" dirty="0">
               <a:ln>
@@ -6974,7 +6974,7 @@
                 <a:tabLst/>
                 <a:defRPr/>
               </a:pPr>
-              <a:t>8/5/24 4:07 PM</a:t>
+              <a:t>9/27/24 3:46 PM</a:t>
             </a:fld>
             <a:endParaRPr kumimoji="0" lang="en-US" sz="1200" b="0" i="0" u="none" strike="noStrike" kern="1200" cap="none" spc="0" normalizeH="0" baseline="0" noProof="0" dirty="0">
               <a:ln>
@@ -24918,6 +24918,9 @@
               <a:ext uri="{FF2B5EF4-FFF2-40B4-BE49-F238E27FC236}">
                 <a16:creationId xmlns:a16="http://schemas.microsoft.com/office/drawing/2014/main" id="{EA9004C4-CD07-1174-10BC-C2C54C8CA769}"/>
               </a:ext>
+              <a:ext uri="{C183D7F6-B498-43B3-948B-1728B52AA6E4}">
+                <adec:decorative xmlns:adec="http://schemas.microsoft.com/office/drawing/2017/decorative" val="1"/>
+              </a:ext>
             </a:extLst>
           </p:cNvPr>
           <p:cNvSpPr/>
@@ -25252,6 +25255,9 @@
             <a:extLst>
               <a:ext uri="{FF2B5EF4-FFF2-40B4-BE49-F238E27FC236}">
                 <a16:creationId xmlns:a16="http://schemas.microsoft.com/office/drawing/2014/main" id="{E2A1C142-560B-E7F3-88E3-DF21B6DD899B}"/>
+              </a:ext>
+              <a:ext uri="{C183D7F6-B498-43B3-948B-1728B52AA6E4}">
+                <adec:decorative xmlns:adec="http://schemas.microsoft.com/office/drawing/2017/decorative" val="1"/>
               </a:ext>
             </a:extLst>
           </p:cNvPr>
@@ -25787,6 +25793,9 @@
               <a:ext uri="{FF2B5EF4-FFF2-40B4-BE49-F238E27FC236}">
                 <a16:creationId xmlns:a16="http://schemas.microsoft.com/office/drawing/2014/main" id="{FE19F1D7-4566-D829-43E5-2C820438FADF}"/>
               </a:ext>
+              <a:ext uri="{C183D7F6-B498-43B3-948B-1728B52AA6E4}">
+                <adec:decorative xmlns:adec="http://schemas.microsoft.com/office/drawing/2017/decorative" val="1"/>
+              </a:ext>
             </a:extLst>
           </p:cNvPr>
           <p:cNvSpPr/>
@@ -26299,6 +26308,9 @@
               <a:ext uri="{FF2B5EF4-FFF2-40B4-BE49-F238E27FC236}">
                 <a16:creationId xmlns:a16="http://schemas.microsoft.com/office/drawing/2014/main" id="{7DB18A84-E417-44EF-1480-8877A4E01FB3}"/>
               </a:ext>
+              <a:ext uri="{C183D7F6-B498-43B3-948B-1728B52AA6E4}">
+                <adec:decorative xmlns:adec="http://schemas.microsoft.com/office/drawing/2017/decorative" val="1"/>
+              </a:ext>
             </a:extLst>
           </p:cNvPr>
           <p:cNvSpPr/>
@@ -27093,6 +27105,9 @@
             <a:extLst>
               <a:ext uri="{FF2B5EF4-FFF2-40B4-BE49-F238E27FC236}">
                 <a16:creationId xmlns:a16="http://schemas.microsoft.com/office/drawing/2014/main" id="{AF781034-9D76-5926-7CB9-1849ACA0EB01}"/>
+              </a:ext>
+              <a:ext uri="{C183D7F6-B498-43B3-948B-1728B52AA6E4}">
+                <adec:decorative xmlns:adec="http://schemas.microsoft.com/office/drawing/2017/decorative" val="1"/>
               </a:ext>
             </a:extLst>
           </p:cNvPr>
@@ -28935,6 +28950,9 @@
               <a:ext uri="{FF2B5EF4-FFF2-40B4-BE49-F238E27FC236}">
                 <a16:creationId xmlns:a16="http://schemas.microsoft.com/office/drawing/2014/main" id="{C5EB68E8-1B86-E7CD-B39D-F6BF3371F389}"/>
               </a:ext>
+              <a:ext uri="{C183D7F6-B498-43B3-948B-1728B52AA6E4}">
+                <adec:decorative xmlns:adec="http://schemas.microsoft.com/office/drawing/2017/decorative" val="1"/>
+              </a:ext>
             </a:extLst>
           </p:cNvPr>
           <p:cNvSpPr/>
@@ -29008,6 +29026,9 @@
               <a:ext uri="{FF2B5EF4-FFF2-40B4-BE49-F238E27FC236}">
                 <a16:creationId xmlns:a16="http://schemas.microsoft.com/office/drawing/2014/main" id="{3339752A-8FC3-1B10-5173-32CE6A97A16E}"/>
               </a:ext>
+              <a:ext uri="{C183D7F6-B498-43B3-948B-1728B52AA6E4}">
+                <adec:decorative xmlns:adec="http://schemas.microsoft.com/office/drawing/2017/decorative" val="1"/>
+              </a:ext>
             </a:extLst>
           </p:cNvPr>
           <p:cNvSpPr/>
@@ -29069,360 +29090,6 @@
               <a:ea typeface="Segoe UI" pitchFamily="34" charset="0"/>
               <a:cs typeface="Segoe UI" pitchFamily="34" charset="0"/>
             </a:endParaRPr>
-          </a:p>
-        </p:txBody>
-      </p:sp>
-      <p:sp>
-        <p:nvSpPr>
-          <p:cNvPr id="2" name="Title 1">
-            <a:extLst>
-              <a:ext uri="{FF2B5EF4-FFF2-40B4-BE49-F238E27FC236}">
-                <a16:creationId xmlns:a16="http://schemas.microsoft.com/office/drawing/2014/main" id="{4755D228-3ADE-7B7E-F5CA-846409675794}"/>
-              </a:ext>
-            </a:extLst>
-          </p:cNvPr>
-          <p:cNvSpPr>
-            <a:spLocks noGrp="1"/>
-          </p:cNvSpPr>
-          <p:nvPr>
-            <p:ph type="title"/>
-          </p:nvPr>
-        </p:nvSpPr>
-        <p:spPr/>
-        <p:txBody>
-          <a:bodyPr/>
-          <a:lstStyle/>
-          <a:p>
-            <a:r>
-              <a:rPr lang="en-US" dirty="0"/>
-              <a:t>Zero-shot</a:t>
-            </a:r>
-          </a:p>
-        </p:txBody>
-      </p:sp>
-      <p:sp>
-        <p:nvSpPr>
-          <p:cNvPr id="11" name="Text Placeholder 10">
-            <a:extLst>
-              <a:ext uri="{FF2B5EF4-FFF2-40B4-BE49-F238E27FC236}">
-                <a16:creationId xmlns:a16="http://schemas.microsoft.com/office/drawing/2014/main" id="{A61788B3-7C75-3700-805A-CEF5545FA25A}"/>
-              </a:ext>
-            </a:extLst>
-          </p:cNvPr>
-          <p:cNvSpPr>
-            <a:spLocks noGrp="1"/>
-          </p:cNvSpPr>
-          <p:nvPr>
-            <p:ph type="body" sz="quarter" idx="10"/>
-          </p:nvPr>
-        </p:nvSpPr>
-        <p:spPr>
-          <a:xfrm>
-            <a:off x="586390" y="1230681"/>
-            <a:ext cx="11018520" cy="815608"/>
-          </a:xfrm>
-        </p:spPr>
-        <p:txBody>
-          <a:bodyPr/>
-          <a:lstStyle/>
-          <a:p>
-            <a:r>
-              <a:rPr lang="en-US" dirty="0"/>
-              <a:t>Generate output with no specific training or examples</a:t>
-            </a:r>
-          </a:p>
-          <a:p>
-            <a:endParaRPr lang="en-US" dirty="0"/>
-          </a:p>
-        </p:txBody>
-      </p:sp>
-      <p:sp>
-        <p:nvSpPr>
-          <p:cNvPr id="9" name="Text Placeholder 8">
-            <a:extLst>
-              <a:ext uri="{FF2B5EF4-FFF2-40B4-BE49-F238E27FC236}">
-                <a16:creationId xmlns:a16="http://schemas.microsoft.com/office/drawing/2014/main" id="{FE8857CA-2921-37F8-6E0D-C67FF08AC175}"/>
-              </a:ext>
-            </a:extLst>
-          </p:cNvPr>
-          <p:cNvSpPr>
-            <a:spLocks noGrp="1"/>
-          </p:cNvSpPr>
-          <p:nvPr>
-            <p:ph type="body" sz="quarter" idx="13"/>
-          </p:nvPr>
-        </p:nvSpPr>
-        <p:spPr>
-          <a:xfrm>
-            <a:off x="0" y="2042698"/>
-            <a:ext cx="3788358" cy="446148"/>
-          </a:xfrm>
-        </p:spPr>
-        <p:txBody>
-          <a:bodyPr/>
-          <a:lstStyle/>
-          <a:p>
-            <a:r>
-              <a:rPr lang="en-US" dirty="0"/>
-              <a:t>Prompt</a:t>
-            </a:r>
-          </a:p>
-        </p:txBody>
-      </p:sp>
-      <p:sp>
-        <p:nvSpPr>
-          <p:cNvPr id="8" name="Text Placeholder 7">
-            <a:extLst>
-              <a:ext uri="{FF2B5EF4-FFF2-40B4-BE49-F238E27FC236}">
-                <a16:creationId xmlns:a16="http://schemas.microsoft.com/office/drawing/2014/main" id="{CCA059FA-BBAE-63C3-FDA2-19722D6E075C}"/>
-              </a:ext>
-            </a:extLst>
-          </p:cNvPr>
-          <p:cNvSpPr>
-            <a:spLocks noGrp="1"/>
-          </p:cNvSpPr>
-          <p:nvPr>
-            <p:ph type="body" sz="quarter" idx="11"/>
-          </p:nvPr>
-        </p:nvSpPr>
-        <p:spPr>
-          <a:xfrm>
-            <a:off x="586389" y="2706779"/>
-            <a:ext cx="11018520" cy="369332"/>
-          </a:xfrm>
-        </p:spPr>
-        <p:txBody>
-          <a:bodyPr/>
-          <a:lstStyle/>
-          <a:p>
-            <a:r>
-              <a:rPr lang="en-US" sz="2399" dirty="0">
-                <a:solidFill>
-                  <a:schemeClr val="tx1"/>
-                </a:solidFill>
-              </a:rPr>
-              <a:t>Translate the following text in French: "Hello, world!"</a:t>
-            </a:r>
-          </a:p>
-        </p:txBody>
-      </p:sp>
-      <p:sp>
-        <p:nvSpPr>
-          <p:cNvPr id="3" name="Text Placeholder 8">
-            <a:extLst>
-              <a:ext uri="{FF2B5EF4-FFF2-40B4-BE49-F238E27FC236}">
-                <a16:creationId xmlns:a16="http://schemas.microsoft.com/office/drawing/2014/main" id="{81FAD29E-A42F-F2FD-B9F1-C0A093EC8640}"/>
-              </a:ext>
-            </a:extLst>
-          </p:cNvPr>
-          <p:cNvSpPr txBox="1">
-            <a:spLocks/>
-          </p:cNvSpPr>
-          <p:nvPr/>
-        </p:nvSpPr>
-        <p:spPr>
-          <a:xfrm>
-            <a:off x="0" y="4369155"/>
-            <a:ext cx="3788358" cy="446148"/>
-          </a:xfrm>
-          <a:prstGeom prst="rect">
-            <a:avLst/>
-          </a:prstGeom>
-          <a:solidFill>
-            <a:schemeClr val="tx2"/>
-          </a:solidFill>
-        </p:spPr>
-        <p:txBody>
-          <a:bodyPr vert="horz" wrap="square" lIns="585216" tIns="91440" rIns="0" bIns="45720" rtlCol="0">
-            <a:spAutoFit/>
-          </a:bodyPr>
-          <a:lstStyle>
-            <a:lvl1pPr marL="0" marR="0" indent="0" algn="l" defTabSz="932742" rtl="0" eaLnBrk="1" fontAlgn="auto" latinLnBrk="0" hangingPunct="1">
-              <a:lnSpc>
-                <a:spcPct val="100000"/>
-              </a:lnSpc>
-              <a:spcBef>
-                <a:spcPct val="20000"/>
-              </a:spcBef>
-              <a:spcAft>
-                <a:spcPts val="0"/>
-              </a:spcAft>
-              <a:buClrTx/>
-              <a:buSzPct val="90000"/>
-              <a:buFont typeface="Wingdings" panose="05000000000000000000" pitchFamily="2" charset="2"/>
-              <a:buNone/>
-              <a:tabLst/>
-              <a:defRPr sz="1999" kern="1200" spc="0" baseline="0">
-                <a:solidFill>
-                  <a:srgbClr val="FFFFFF"/>
-                </a:solidFill>
-                <a:latin typeface="+mj-lt"/>
-                <a:ea typeface="+mn-ea"/>
-                <a:cs typeface="Segoe UI" panose="020B0502040204020203" pitchFamily="34" charset="0"/>
-              </a:defRPr>
-            </a:lvl1pPr>
-            <a:lvl2pPr marL="457200" marR="0" indent="-228600" algn="l" defTabSz="932742" rtl="0" eaLnBrk="1" fontAlgn="auto" latinLnBrk="0" hangingPunct="1">
-              <a:lnSpc>
-                <a:spcPct val="100000"/>
-              </a:lnSpc>
-              <a:spcBef>
-                <a:spcPct val="20000"/>
-              </a:spcBef>
-              <a:spcAft>
-                <a:spcPts val="0"/>
-              </a:spcAft>
-              <a:buClrTx/>
-              <a:buSzPct val="90000"/>
-              <a:buFont typeface="Wingdings" panose="05000000000000000000" pitchFamily="2" charset="2"/>
-              <a:buChar char=""/>
-              <a:tabLst/>
-              <a:defRPr sz="2000" kern="1200" spc="0" baseline="0">
-                <a:solidFill>
-                  <a:schemeClr val="tx1"/>
-                </a:solidFill>
-                <a:latin typeface="+mn-lt"/>
-                <a:ea typeface="+mn-ea"/>
-                <a:cs typeface="+mn-cs"/>
-              </a:defRPr>
-            </a:lvl2pPr>
-            <a:lvl3pPr marL="657225" marR="0" indent="-200025" algn="l" defTabSz="932742" rtl="0" eaLnBrk="1" fontAlgn="auto" latinLnBrk="0" hangingPunct="1">
-              <a:lnSpc>
-                <a:spcPct val="100000"/>
-              </a:lnSpc>
-              <a:spcBef>
-                <a:spcPct val="20000"/>
-              </a:spcBef>
-              <a:spcAft>
-                <a:spcPts val="0"/>
-              </a:spcAft>
-              <a:buClrTx/>
-              <a:buSzPct val="90000"/>
-              <a:buFont typeface="Wingdings" panose="05000000000000000000" pitchFamily="2" charset="2"/>
-              <a:buChar char=""/>
-              <a:tabLst/>
-              <a:defRPr sz="1600" kern="1200" spc="0" baseline="0">
-                <a:solidFill>
-                  <a:schemeClr val="tx1"/>
-                </a:solidFill>
-                <a:latin typeface="+mn-lt"/>
-                <a:ea typeface="+mn-ea"/>
-                <a:cs typeface="+mn-cs"/>
-              </a:defRPr>
-            </a:lvl3pPr>
-            <a:lvl4pPr marL="842963" marR="0" indent="-180975" algn="l" defTabSz="932742" rtl="0" eaLnBrk="1" fontAlgn="auto" latinLnBrk="0" hangingPunct="1">
-              <a:lnSpc>
-                <a:spcPct val="100000"/>
-              </a:lnSpc>
-              <a:spcBef>
-                <a:spcPct val="20000"/>
-              </a:spcBef>
-              <a:spcAft>
-                <a:spcPts val="0"/>
-              </a:spcAft>
-              <a:buClrTx/>
-              <a:buSzPct val="90000"/>
-              <a:buFont typeface="Wingdings" panose="05000000000000000000" pitchFamily="2" charset="2"/>
-              <a:buChar char=""/>
-              <a:tabLst/>
-              <a:defRPr sz="1400" kern="1200" spc="0" baseline="0">
-                <a:solidFill>
-                  <a:schemeClr val="tx1"/>
-                </a:solidFill>
-                <a:latin typeface="+mn-lt"/>
-                <a:ea typeface="+mn-ea"/>
-                <a:cs typeface="+mn-cs"/>
-              </a:defRPr>
-            </a:lvl4pPr>
-            <a:lvl5pPr marL="1023938" marR="0" indent="-168275" algn="l" defTabSz="932742" rtl="0" eaLnBrk="1" fontAlgn="auto" latinLnBrk="0" hangingPunct="1">
-              <a:lnSpc>
-                <a:spcPct val="100000"/>
-              </a:lnSpc>
-              <a:spcBef>
-                <a:spcPct val="20000"/>
-              </a:spcBef>
-              <a:spcAft>
-                <a:spcPts val="0"/>
-              </a:spcAft>
-              <a:buClrTx/>
-              <a:buSzPct val="90000"/>
-              <a:buFont typeface="Wingdings" panose="05000000000000000000" pitchFamily="2" charset="2"/>
-              <a:buChar char=""/>
-              <a:tabLst/>
-              <a:defRPr sz="1400" kern="1200" spc="0" baseline="0">
-                <a:solidFill>
-                  <a:schemeClr val="tx1"/>
-                </a:solidFill>
-                <a:latin typeface="+mn-lt"/>
-                <a:ea typeface="+mn-ea"/>
-                <a:cs typeface="+mn-cs"/>
-              </a:defRPr>
-            </a:lvl5pPr>
-            <a:lvl6pPr marL="2565040" indent="-233186" algn="l" defTabSz="932742" rtl="0" eaLnBrk="1" latinLnBrk="0" hangingPunct="1">
-              <a:spcBef>
-                <a:spcPct val="20000"/>
-              </a:spcBef>
-              <a:buFont typeface="Arial" pitchFamily="34" charset="0"/>
-              <a:buChar char="•"/>
-              <a:defRPr sz="2000" kern="1200">
-                <a:solidFill>
-                  <a:schemeClr val="tx1"/>
-                </a:solidFill>
-                <a:latin typeface="+mn-lt"/>
-                <a:ea typeface="+mn-ea"/>
-                <a:cs typeface="+mn-cs"/>
-              </a:defRPr>
-            </a:lvl6pPr>
-            <a:lvl7pPr marL="3031412" indent="-233186" algn="l" defTabSz="932742" rtl="0" eaLnBrk="1" latinLnBrk="0" hangingPunct="1">
-              <a:spcBef>
-                <a:spcPct val="20000"/>
-              </a:spcBef>
-              <a:buFont typeface="Arial" pitchFamily="34" charset="0"/>
-              <a:buChar char="•"/>
-              <a:defRPr sz="2000" kern="1200">
-                <a:solidFill>
-                  <a:schemeClr val="tx1"/>
-                </a:solidFill>
-                <a:latin typeface="+mn-lt"/>
-                <a:ea typeface="+mn-ea"/>
-                <a:cs typeface="+mn-cs"/>
-              </a:defRPr>
-            </a:lvl7pPr>
-            <a:lvl8pPr marL="3497783" indent="-233186" algn="l" defTabSz="932742" rtl="0" eaLnBrk="1" latinLnBrk="0" hangingPunct="1">
-              <a:spcBef>
-                <a:spcPct val="20000"/>
-              </a:spcBef>
-              <a:buFont typeface="Arial" pitchFamily="34" charset="0"/>
-              <a:buChar char="•"/>
-              <a:defRPr sz="2000" kern="1200">
-                <a:solidFill>
-                  <a:schemeClr val="tx1"/>
-                </a:solidFill>
-                <a:latin typeface="+mn-lt"/>
-                <a:ea typeface="+mn-ea"/>
-                <a:cs typeface="+mn-cs"/>
-              </a:defRPr>
-            </a:lvl8pPr>
-            <a:lvl9pPr marL="3964155" indent="-233186" algn="l" defTabSz="932742" rtl="0" eaLnBrk="1" latinLnBrk="0" hangingPunct="1">
-              <a:spcBef>
-                <a:spcPct val="20000"/>
-              </a:spcBef>
-              <a:buFont typeface="Arial" pitchFamily="34" charset="0"/>
-              <a:buChar char="•"/>
-              <a:defRPr sz="2000" kern="1200">
-                <a:solidFill>
-                  <a:schemeClr val="tx1"/>
-                </a:solidFill>
-                <a:latin typeface="+mn-lt"/>
-                <a:ea typeface="+mn-ea"/>
-                <a:cs typeface="+mn-cs"/>
-              </a:defRPr>
-            </a:lvl9pPr>
-          </a:lstStyle>
-          <a:p>
-            <a:r>
-              <a:rPr lang="en-US" dirty="0"/>
-              <a:t>Output</a:t>
-            </a:r>
           </a:p>
         </p:txBody>
       </p:sp>
@@ -29679,6 +29346,360 @@
           </a:p>
         </p:txBody>
       </p:sp>
+      <p:sp>
+        <p:nvSpPr>
+          <p:cNvPr id="3" name="Text Placeholder 8">
+            <a:extLst>
+              <a:ext uri="{FF2B5EF4-FFF2-40B4-BE49-F238E27FC236}">
+                <a16:creationId xmlns:a16="http://schemas.microsoft.com/office/drawing/2014/main" id="{81FAD29E-A42F-F2FD-B9F1-C0A093EC8640}"/>
+              </a:ext>
+            </a:extLst>
+          </p:cNvPr>
+          <p:cNvSpPr txBox="1">
+            <a:spLocks/>
+          </p:cNvSpPr>
+          <p:nvPr/>
+        </p:nvSpPr>
+        <p:spPr>
+          <a:xfrm>
+            <a:off x="0" y="4369155"/>
+            <a:ext cx="3788358" cy="446148"/>
+          </a:xfrm>
+          <a:prstGeom prst="rect">
+            <a:avLst/>
+          </a:prstGeom>
+          <a:solidFill>
+            <a:schemeClr val="tx2"/>
+          </a:solidFill>
+        </p:spPr>
+        <p:txBody>
+          <a:bodyPr vert="horz" wrap="square" lIns="585216" tIns="91440" rIns="0" bIns="45720" rtlCol="0">
+            <a:spAutoFit/>
+          </a:bodyPr>
+          <a:lstStyle>
+            <a:lvl1pPr marL="0" marR="0" indent="0" algn="l" defTabSz="932742" rtl="0" eaLnBrk="1" fontAlgn="auto" latinLnBrk="0" hangingPunct="1">
+              <a:lnSpc>
+                <a:spcPct val="100000"/>
+              </a:lnSpc>
+              <a:spcBef>
+                <a:spcPct val="20000"/>
+              </a:spcBef>
+              <a:spcAft>
+                <a:spcPts val="0"/>
+              </a:spcAft>
+              <a:buClrTx/>
+              <a:buSzPct val="90000"/>
+              <a:buFont typeface="Wingdings" panose="05000000000000000000" pitchFamily="2" charset="2"/>
+              <a:buNone/>
+              <a:tabLst/>
+              <a:defRPr sz="1999" kern="1200" spc="0" baseline="0">
+                <a:solidFill>
+                  <a:srgbClr val="FFFFFF"/>
+                </a:solidFill>
+                <a:latin typeface="+mj-lt"/>
+                <a:ea typeface="+mn-ea"/>
+                <a:cs typeface="Segoe UI" panose="020B0502040204020203" pitchFamily="34" charset="0"/>
+              </a:defRPr>
+            </a:lvl1pPr>
+            <a:lvl2pPr marL="457200" marR="0" indent="-228600" algn="l" defTabSz="932742" rtl="0" eaLnBrk="1" fontAlgn="auto" latinLnBrk="0" hangingPunct="1">
+              <a:lnSpc>
+                <a:spcPct val="100000"/>
+              </a:lnSpc>
+              <a:spcBef>
+                <a:spcPct val="20000"/>
+              </a:spcBef>
+              <a:spcAft>
+                <a:spcPts val="0"/>
+              </a:spcAft>
+              <a:buClrTx/>
+              <a:buSzPct val="90000"/>
+              <a:buFont typeface="Wingdings" panose="05000000000000000000" pitchFamily="2" charset="2"/>
+              <a:buChar char=""/>
+              <a:tabLst/>
+              <a:defRPr sz="2000" kern="1200" spc="0" baseline="0">
+                <a:solidFill>
+                  <a:schemeClr val="tx1"/>
+                </a:solidFill>
+                <a:latin typeface="+mn-lt"/>
+                <a:ea typeface="+mn-ea"/>
+                <a:cs typeface="+mn-cs"/>
+              </a:defRPr>
+            </a:lvl2pPr>
+            <a:lvl3pPr marL="657225" marR="0" indent="-200025" algn="l" defTabSz="932742" rtl="0" eaLnBrk="1" fontAlgn="auto" latinLnBrk="0" hangingPunct="1">
+              <a:lnSpc>
+                <a:spcPct val="100000"/>
+              </a:lnSpc>
+              <a:spcBef>
+                <a:spcPct val="20000"/>
+              </a:spcBef>
+              <a:spcAft>
+                <a:spcPts val="0"/>
+              </a:spcAft>
+              <a:buClrTx/>
+              <a:buSzPct val="90000"/>
+              <a:buFont typeface="Wingdings" panose="05000000000000000000" pitchFamily="2" charset="2"/>
+              <a:buChar char=""/>
+              <a:tabLst/>
+              <a:defRPr sz="1600" kern="1200" spc="0" baseline="0">
+                <a:solidFill>
+                  <a:schemeClr val="tx1"/>
+                </a:solidFill>
+                <a:latin typeface="+mn-lt"/>
+                <a:ea typeface="+mn-ea"/>
+                <a:cs typeface="+mn-cs"/>
+              </a:defRPr>
+            </a:lvl3pPr>
+            <a:lvl4pPr marL="842963" marR="0" indent="-180975" algn="l" defTabSz="932742" rtl="0" eaLnBrk="1" fontAlgn="auto" latinLnBrk="0" hangingPunct="1">
+              <a:lnSpc>
+                <a:spcPct val="100000"/>
+              </a:lnSpc>
+              <a:spcBef>
+                <a:spcPct val="20000"/>
+              </a:spcBef>
+              <a:spcAft>
+                <a:spcPts val="0"/>
+              </a:spcAft>
+              <a:buClrTx/>
+              <a:buSzPct val="90000"/>
+              <a:buFont typeface="Wingdings" panose="05000000000000000000" pitchFamily="2" charset="2"/>
+              <a:buChar char=""/>
+              <a:tabLst/>
+              <a:defRPr sz="1400" kern="1200" spc="0" baseline="0">
+                <a:solidFill>
+                  <a:schemeClr val="tx1"/>
+                </a:solidFill>
+                <a:latin typeface="+mn-lt"/>
+                <a:ea typeface="+mn-ea"/>
+                <a:cs typeface="+mn-cs"/>
+              </a:defRPr>
+            </a:lvl4pPr>
+            <a:lvl5pPr marL="1023938" marR="0" indent="-168275" algn="l" defTabSz="932742" rtl="0" eaLnBrk="1" fontAlgn="auto" latinLnBrk="0" hangingPunct="1">
+              <a:lnSpc>
+                <a:spcPct val="100000"/>
+              </a:lnSpc>
+              <a:spcBef>
+                <a:spcPct val="20000"/>
+              </a:spcBef>
+              <a:spcAft>
+                <a:spcPts val="0"/>
+              </a:spcAft>
+              <a:buClrTx/>
+              <a:buSzPct val="90000"/>
+              <a:buFont typeface="Wingdings" panose="05000000000000000000" pitchFamily="2" charset="2"/>
+              <a:buChar char=""/>
+              <a:tabLst/>
+              <a:defRPr sz="1400" kern="1200" spc="0" baseline="0">
+                <a:solidFill>
+                  <a:schemeClr val="tx1"/>
+                </a:solidFill>
+                <a:latin typeface="+mn-lt"/>
+                <a:ea typeface="+mn-ea"/>
+                <a:cs typeface="+mn-cs"/>
+              </a:defRPr>
+            </a:lvl5pPr>
+            <a:lvl6pPr marL="2565040" indent="-233186" algn="l" defTabSz="932742" rtl="0" eaLnBrk="1" latinLnBrk="0" hangingPunct="1">
+              <a:spcBef>
+                <a:spcPct val="20000"/>
+              </a:spcBef>
+              <a:buFont typeface="Arial" pitchFamily="34" charset="0"/>
+              <a:buChar char="•"/>
+              <a:defRPr sz="2000" kern="1200">
+                <a:solidFill>
+                  <a:schemeClr val="tx1"/>
+                </a:solidFill>
+                <a:latin typeface="+mn-lt"/>
+                <a:ea typeface="+mn-ea"/>
+                <a:cs typeface="+mn-cs"/>
+              </a:defRPr>
+            </a:lvl6pPr>
+            <a:lvl7pPr marL="3031412" indent="-233186" algn="l" defTabSz="932742" rtl="0" eaLnBrk="1" latinLnBrk="0" hangingPunct="1">
+              <a:spcBef>
+                <a:spcPct val="20000"/>
+              </a:spcBef>
+              <a:buFont typeface="Arial" pitchFamily="34" charset="0"/>
+              <a:buChar char="•"/>
+              <a:defRPr sz="2000" kern="1200">
+                <a:solidFill>
+                  <a:schemeClr val="tx1"/>
+                </a:solidFill>
+                <a:latin typeface="+mn-lt"/>
+                <a:ea typeface="+mn-ea"/>
+                <a:cs typeface="+mn-cs"/>
+              </a:defRPr>
+            </a:lvl7pPr>
+            <a:lvl8pPr marL="3497783" indent="-233186" algn="l" defTabSz="932742" rtl="0" eaLnBrk="1" latinLnBrk="0" hangingPunct="1">
+              <a:spcBef>
+                <a:spcPct val="20000"/>
+              </a:spcBef>
+              <a:buFont typeface="Arial" pitchFamily="34" charset="0"/>
+              <a:buChar char="•"/>
+              <a:defRPr sz="2000" kern="1200">
+                <a:solidFill>
+                  <a:schemeClr val="tx1"/>
+                </a:solidFill>
+                <a:latin typeface="+mn-lt"/>
+                <a:ea typeface="+mn-ea"/>
+                <a:cs typeface="+mn-cs"/>
+              </a:defRPr>
+            </a:lvl8pPr>
+            <a:lvl9pPr marL="3964155" indent="-233186" algn="l" defTabSz="932742" rtl="0" eaLnBrk="1" latinLnBrk="0" hangingPunct="1">
+              <a:spcBef>
+                <a:spcPct val="20000"/>
+              </a:spcBef>
+              <a:buFont typeface="Arial" pitchFamily="34" charset="0"/>
+              <a:buChar char="•"/>
+              <a:defRPr sz="2000" kern="1200">
+                <a:solidFill>
+                  <a:schemeClr val="tx1"/>
+                </a:solidFill>
+                <a:latin typeface="+mn-lt"/>
+                <a:ea typeface="+mn-ea"/>
+                <a:cs typeface="+mn-cs"/>
+              </a:defRPr>
+            </a:lvl9pPr>
+          </a:lstStyle>
+          <a:p>
+            <a:r>
+              <a:rPr lang="en-US" dirty="0"/>
+              <a:t>Output</a:t>
+            </a:r>
+          </a:p>
+        </p:txBody>
+      </p:sp>
+      <p:sp>
+        <p:nvSpPr>
+          <p:cNvPr id="8" name="Text Placeholder 7">
+            <a:extLst>
+              <a:ext uri="{FF2B5EF4-FFF2-40B4-BE49-F238E27FC236}">
+                <a16:creationId xmlns:a16="http://schemas.microsoft.com/office/drawing/2014/main" id="{CCA059FA-BBAE-63C3-FDA2-19722D6E075C}"/>
+              </a:ext>
+            </a:extLst>
+          </p:cNvPr>
+          <p:cNvSpPr>
+            <a:spLocks noGrp="1"/>
+          </p:cNvSpPr>
+          <p:nvPr>
+            <p:ph type="body" sz="quarter" idx="11"/>
+          </p:nvPr>
+        </p:nvSpPr>
+        <p:spPr>
+          <a:xfrm>
+            <a:off x="586389" y="2706779"/>
+            <a:ext cx="11018520" cy="369332"/>
+          </a:xfrm>
+        </p:spPr>
+        <p:txBody>
+          <a:bodyPr/>
+          <a:lstStyle/>
+          <a:p>
+            <a:r>
+              <a:rPr lang="en-US" sz="2399" dirty="0">
+                <a:solidFill>
+                  <a:schemeClr val="tx1"/>
+                </a:solidFill>
+              </a:rPr>
+              <a:t>Translate the following text in French: "Hello, world!"</a:t>
+            </a:r>
+          </a:p>
+        </p:txBody>
+      </p:sp>
+      <p:sp>
+        <p:nvSpPr>
+          <p:cNvPr id="9" name="Text Placeholder 8">
+            <a:extLst>
+              <a:ext uri="{FF2B5EF4-FFF2-40B4-BE49-F238E27FC236}">
+                <a16:creationId xmlns:a16="http://schemas.microsoft.com/office/drawing/2014/main" id="{FE8857CA-2921-37F8-6E0D-C67FF08AC175}"/>
+              </a:ext>
+            </a:extLst>
+          </p:cNvPr>
+          <p:cNvSpPr>
+            <a:spLocks noGrp="1"/>
+          </p:cNvSpPr>
+          <p:nvPr>
+            <p:ph type="body" sz="quarter" idx="13"/>
+          </p:nvPr>
+        </p:nvSpPr>
+        <p:spPr>
+          <a:xfrm>
+            <a:off x="0" y="2042698"/>
+            <a:ext cx="3788358" cy="446148"/>
+          </a:xfrm>
+        </p:spPr>
+        <p:txBody>
+          <a:bodyPr/>
+          <a:lstStyle/>
+          <a:p>
+            <a:r>
+              <a:rPr lang="en-US" dirty="0"/>
+              <a:t>Prompt</a:t>
+            </a:r>
+          </a:p>
+        </p:txBody>
+      </p:sp>
+      <p:sp>
+        <p:nvSpPr>
+          <p:cNvPr id="11" name="Text Placeholder 10">
+            <a:extLst>
+              <a:ext uri="{FF2B5EF4-FFF2-40B4-BE49-F238E27FC236}">
+                <a16:creationId xmlns:a16="http://schemas.microsoft.com/office/drawing/2014/main" id="{A61788B3-7C75-3700-805A-CEF5545FA25A}"/>
+              </a:ext>
+            </a:extLst>
+          </p:cNvPr>
+          <p:cNvSpPr>
+            <a:spLocks noGrp="1"/>
+          </p:cNvSpPr>
+          <p:nvPr>
+            <p:ph type="body" sz="quarter" idx="10"/>
+          </p:nvPr>
+        </p:nvSpPr>
+        <p:spPr>
+          <a:xfrm>
+            <a:off x="586390" y="1230681"/>
+            <a:ext cx="11018520" cy="815608"/>
+          </a:xfrm>
+        </p:spPr>
+        <p:txBody>
+          <a:bodyPr/>
+          <a:lstStyle/>
+          <a:p>
+            <a:r>
+              <a:rPr lang="en-US" dirty="0"/>
+              <a:t>Generate output with no specific training or examples</a:t>
+            </a:r>
+          </a:p>
+          <a:p>
+            <a:endParaRPr lang="en-US" dirty="0"/>
+          </a:p>
+        </p:txBody>
+      </p:sp>
+      <p:sp>
+        <p:nvSpPr>
+          <p:cNvPr id="2" name="Title 1">
+            <a:extLst>
+              <a:ext uri="{FF2B5EF4-FFF2-40B4-BE49-F238E27FC236}">
+                <a16:creationId xmlns:a16="http://schemas.microsoft.com/office/drawing/2014/main" id="{4755D228-3ADE-7B7E-F5CA-846409675794}"/>
+              </a:ext>
+            </a:extLst>
+          </p:cNvPr>
+          <p:cNvSpPr>
+            <a:spLocks noGrp="1"/>
+          </p:cNvSpPr>
+          <p:nvPr>
+            <p:ph type="title"/>
+          </p:nvPr>
+        </p:nvSpPr>
+        <p:spPr/>
+        <p:txBody>
+          <a:bodyPr/>
+          <a:lstStyle/>
+          <a:p>
+            <a:r>
+              <a:rPr lang="en-US" dirty="0"/>
+              <a:t>Zero-shot</a:t>
+            </a:r>
+          </a:p>
+        </p:txBody>
+      </p:sp>
     </p:spTree>
     <p:extLst>
       <p:ext uri="{BB962C8B-B14F-4D97-AF65-F5344CB8AC3E}">
@@ -29823,6 +29844,9 @@
               <a:ext uri="{FF2B5EF4-FFF2-40B4-BE49-F238E27FC236}">
                 <a16:creationId xmlns:a16="http://schemas.microsoft.com/office/drawing/2014/main" id="{4D9741C7-9FA0-8CC7-27AE-4BAA22F14293}"/>
               </a:ext>
+              <a:ext uri="{C183D7F6-B498-43B3-948B-1728B52AA6E4}">
+                <adec:decorative xmlns:adec="http://schemas.microsoft.com/office/drawing/2017/decorative" val="1"/>
+              </a:ext>
             </a:extLst>
           </p:cNvPr>
           <p:cNvSpPr/>
@@ -29896,6 +29920,9 @@
               <a:ext uri="{FF2B5EF4-FFF2-40B4-BE49-F238E27FC236}">
                 <a16:creationId xmlns:a16="http://schemas.microsoft.com/office/drawing/2014/main" id="{DE51B0A8-0765-07B2-E1CF-2E931357A8BA}"/>
               </a:ext>
+              <a:ext uri="{C183D7F6-B498-43B3-948B-1728B52AA6E4}">
+                <adec:decorative xmlns:adec="http://schemas.microsoft.com/office/drawing/2017/decorative" val="1"/>
+              </a:ext>
             </a:extLst>
           </p:cNvPr>
           <p:cNvSpPr/>
@@ -29962,104 +29989,13 @@
       </p:sp>
       <p:sp>
         <p:nvSpPr>
-          <p:cNvPr id="2" name="Title 1">
-            <a:extLst>
-              <a:ext uri="{FF2B5EF4-FFF2-40B4-BE49-F238E27FC236}">
-                <a16:creationId xmlns:a16="http://schemas.microsoft.com/office/drawing/2014/main" id="{9E3B1C7A-285A-EBA9-F275-9B7FDE4F1DBD}"/>
-              </a:ext>
-            </a:extLst>
-          </p:cNvPr>
-          <p:cNvSpPr>
-            <a:spLocks noGrp="1"/>
-          </p:cNvSpPr>
-          <p:nvPr>
-            <p:ph type="title"/>
-          </p:nvPr>
-        </p:nvSpPr>
-        <p:spPr/>
-        <p:txBody>
-          <a:bodyPr/>
-          <a:lstStyle/>
-          <a:p>
-            <a:r>
-              <a:rPr lang="en-US" dirty="0"/>
-              <a:t>Few-shot</a:t>
-            </a:r>
-          </a:p>
-        </p:txBody>
-      </p:sp>
-      <p:sp>
-        <p:nvSpPr>
-          <p:cNvPr id="11" name="Text Placeholder 10">
-            <a:extLst>
-              <a:ext uri="{FF2B5EF4-FFF2-40B4-BE49-F238E27FC236}">
-                <a16:creationId xmlns:a16="http://schemas.microsoft.com/office/drawing/2014/main" id="{69480D7A-9F84-094E-B41A-8D28BB6652B2}"/>
-              </a:ext>
-            </a:extLst>
-          </p:cNvPr>
-          <p:cNvSpPr>
-            <a:spLocks noGrp="1"/>
-          </p:cNvSpPr>
-          <p:nvPr>
-            <p:ph type="body" sz="quarter" idx="10"/>
-          </p:nvPr>
-        </p:nvSpPr>
-        <p:spPr>
-          <a:xfrm>
-            <a:off x="586390" y="1230681"/>
-            <a:ext cx="11018520" cy="369332"/>
-          </a:xfrm>
-        </p:spPr>
-        <p:txBody>
-          <a:bodyPr/>
-          <a:lstStyle/>
-          <a:p>
-            <a:r>
-              <a:rPr lang="en-US" dirty="0"/>
-              <a:t>Use in-context examples to condition the output</a:t>
-            </a:r>
-          </a:p>
-        </p:txBody>
-      </p:sp>
-      <p:sp>
-        <p:nvSpPr>
-          <p:cNvPr id="9" name="Text Placeholder 8">
-            <a:extLst>
-              <a:ext uri="{FF2B5EF4-FFF2-40B4-BE49-F238E27FC236}">
-                <a16:creationId xmlns:a16="http://schemas.microsoft.com/office/drawing/2014/main" id="{1EEA815A-C8F1-878E-4792-D095F0F52A53}"/>
-              </a:ext>
-            </a:extLst>
-          </p:cNvPr>
-          <p:cNvSpPr>
-            <a:spLocks noGrp="1"/>
-          </p:cNvSpPr>
-          <p:nvPr>
-            <p:ph type="body" sz="quarter" idx="13"/>
-          </p:nvPr>
-        </p:nvSpPr>
-        <p:spPr>
-          <a:xfrm>
-            <a:off x="0" y="2042698"/>
-            <a:ext cx="3788358" cy="446148"/>
-          </a:xfrm>
-        </p:spPr>
-        <p:txBody>
-          <a:bodyPr/>
-          <a:lstStyle/>
-          <a:p>
-            <a:r>
-              <a:rPr lang="en-US" dirty="0"/>
-              <a:t>Prompt</a:t>
-            </a:r>
-          </a:p>
-        </p:txBody>
-      </p:sp>
-      <p:sp>
-        <p:nvSpPr>
           <p:cNvPr id="7" name="Rectangle 6">
             <a:extLst>
               <a:ext uri="{FF2B5EF4-FFF2-40B4-BE49-F238E27FC236}">
                 <a16:creationId xmlns:a16="http://schemas.microsoft.com/office/drawing/2014/main" id="{A8358810-8C9C-276F-F1A9-43523BDEFAFD}"/>
+              </a:ext>
+              <a:ext uri="{C183D7F6-B498-43B3-948B-1728B52AA6E4}">
+                <adec:decorative xmlns:adec="http://schemas.microsoft.com/office/drawing/2017/decorative" val="1"/>
               </a:ext>
             </a:extLst>
           </p:cNvPr>
@@ -30777,6 +30713,100 @@
           </a:p>
         </p:txBody>
       </p:sp>
+      <p:sp>
+        <p:nvSpPr>
+          <p:cNvPr id="9" name="Text Placeholder 8">
+            <a:extLst>
+              <a:ext uri="{FF2B5EF4-FFF2-40B4-BE49-F238E27FC236}">
+                <a16:creationId xmlns:a16="http://schemas.microsoft.com/office/drawing/2014/main" id="{1EEA815A-C8F1-878E-4792-D095F0F52A53}"/>
+              </a:ext>
+            </a:extLst>
+          </p:cNvPr>
+          <p:cNvSpPr>
+            <a:spLocks noGrp="1"/>
+          </p:cNvSpPr>
+          <p:nvPr>
+            <p:ph type="body" sz="quarter" idx="13"/>
+          </p:nvPr>
+        </p:nvSpPr>
+        <p:spPr>
+          <a:xfrm>
+            <a:off x="0" y="2042698"/>
+            <a:ext cx="3788358" cy="446148"/>
+          </a:xfrm>
+        </p:spPr>
+        <p:txBody>
+          <a:bodyPr/>
+          <a:lstStyle/>
+          <a:p>
+            <a:r>
+              <a:rPr lang="en-US" dirty="0"/>
+              <a:t>Prompt</a:t>
+            </a:r>
+          </a:p>
+        </p:txBody>
+      </p:sp>
+      <p:sp>
+        <p:nvSpPr>
+          <p:cNvPr id="11" name="Text Placeholder 10">
+            <a:extLst>
+              <a:ext uri="{FF2B5EF4-FFF2-40B4-BE49-F238E27FC236}">
+                <a16:creationId xmlns:a16="http://schemas.microsoft.com/office/drawing/2014/main" id="{69480D7A-9F84-094E-B41A-8D28BB6652B2}"/>
+              </a:ext>
+            </a:extLst>
+          </p:cNvPr>
+          <p:cNvSpPr>
+            <a:spLocks noGrp="1"/>
+          </p:cNvSpPr>
+          <p:nvPr>
+            <p:ph type="body" sz="quarter" idx="10"/>
+          </p:nvPr>
+        </p:nvSpPr>
+        <p:spPr>
+          <a:xfrm>
+            <a:off x="586390" y="1230681"/>
+            <a:ext cx="11018520" cy="369332"/>
+          </a:xfrm>
+        </p:spPr>
+        <p:txBody>
+          <a:bodyPr/>
+          <a:lstStyle/>
+          <a:p>
+            <a:r>
+              <a:rPr lang="en-US" dirty="0"/>
+              <a:t>Use in-context examples to condition the output</a:t>
+            </a:r>
+          </a:p>
+        </p:txBody>
+      </p:sp>
+      <p:sp>
+        <p:nvSpPr>
+          <p:cNvPr id="2" name="Title 1">
+            <a:extLst>
+              <a:ext uri="{FF2B5EF4-FFF2-40B4-BE49-F238E27FC236}">
+                <a16:creationId xmlns:a16="http://schemas.microsoft.com/office/drawing/2014/main" id="{9E3B1C7A-285A-EBA9-F275-9B7FDE4F1DBD}"/>
+              </a:ext>
+            </a:extLst>
+          </p:cNvPr>
+          <p:cNvSpPr>
+            <a:spLocks noGrp="1"/>
+          </p:cNvSpPr>
+          <p:nvPr>
+            <p:ph type="title"/>
+          </p:nvPr>
+        </p:nvSpPr>
+        <p:spPr/>
+        <p:txBody>
+          <a:bodyPr/>
+          <a:lstStyle/>
+          <a:p>
+            <a:r>
+              <a:rPr lang="en-US" dirty="0"/>
+              <a:t>Few-shot</a:t>
+            </a:r>
+          </a:p>
+        </p:txBody>
+      </p:sp>
     </p:spTree>
     <p:extLst>
       <p:ext uri="{BB962C8B-B14F-4D97-AF65-F5344CB8AC3E}">
@@ -30975,6 +31005,9 @@
               <a:ext uri="{FF2B5EF4-FFF2-40B4-BE49-F238E27FC236}">
                 <a16:creationId xmlns:a16="http://schemas.microsoft.com/office/drawing/2014/main" id="{C484B817-D9D1-B6B9-62D3-0023AB0A22D1}"/>
               </a:ext>
+              <a:ext uri="{C183D7F6-B498-43B3-948B-1728B52AA6E4}">
+                <adec:decorative xmlns:adec="http://schemas.microsoft.com/office/drawing/2017/decorative" val="1"/>
+              </a:ext>
             </a:extLst>
           </p:cNvPr>
           <p:cNvSpPr/>
@@ -31048,6 +31081,9 @@
               <a:ext uri="{FF2B5EF4-FFF2-40B4-BE49-F238E27FC236}">
                 <a16:creationId xmlns:a16="http://schemas.microsoft.com/office/drawing/2014/main" id="{5B69656F-63F2-8111-8BCA-FD6E1320F2B6}"/>
               </a:ext>
+              <a:ext uri="{C183D7F6-B498-43B3-948B-1728B52AA6E4}">
+                <adec:decorative xmlns:adec="http://schemas.microsoft.com/office/drawing/2017/decorative" val="1"/>
+              </a:ext>
             </a:extLst>
           </p:cNvPr>
           <p:cNvSpPr/>
@@ -31114,366 +31150,36 @@
       </p:sp>
       <p:sp>
         <p:nvSpPr>
-          <p:cNvPr id="2" name="Title 1">
+          <p:cNvPr id="7" name="TextBox 6">
             <a:extLst>
               <a:ext uri="{FF2B5EF4-FFF2-40B4-BE49-F238E27FC236}">
-                <a16:creationId xmlns:a16="http://schemas.microsoft.com/office/drawing/2014/main" id="{4BB13E68-3BDD-E8D9-7692-0D22D6D1CBA8}"/>
+                <a16:creationId xmlns:a16="http://schemas.microsoft.com/office/drawing/2014/main" id="{41AD5E7A-04FE-AAAC-F8C0-1C786A6D1CB7}"/>
               </a:ext>
             </a:extLst>
           </p:cNvPr>
-          <p:cNvSpPr>
-            <a:spLocks noGrp="1"/>
-          </p:cNvSpPr>
-          <p:nvPr>
-            <p:ph type="title"/>
-          </p:nvPr>
-        </p:nvSpPr>
-        <p:spPr/>
-        <p:txBody>
-          <a:bodyPr/>
-          <a:lstStyle/>
-          <a:p>
-            <a:r>
-              <a:rPr lang="en-US" dirty="0"/>
-              <a:t>Chain of Thought</a:t>
-            </a:r>
-          </a:p>
-        </p:txBody>
-      </p:sp>
-      <p:sp>
-        <p:nvSpPr>
-          <p:cNvPr id="11" name="Text Placeholder 10">
-            <a:extLst>
-              <a:ext uri="{FF2B5EF4-FFF2-40B4-BE49-F238E27FC236}">
-                <a16:creationId xmlns:a16="http://schemas.microsoft.com/office/drawing/2014/main" id="{D83E54D1-9B0B-A2D9-F865-89117B448CB2}"/>
-              </a:ext>
-            </a:extLst>
-          </p:cNvPr>
-          <p:cNvSpPr>
-            <a:spLocks noGrp="1"/>
-          </p:cNvSpPr>
-          <p:nvPr>
-            <p:ph type="body" sz="quarter" idx="10"/>
-          </p:nvPr>
+          <p:cNvSpPr txBox="1"/>
+          <p:nvPr/>
         </p:nvSpPr>
         <p:spPr>
           <a:xfrm>
-            <a:off x="586390" y="1230681"/>
-            <a:ext cx="11018520" cy="369332"/>
-          </a:xfrm>
-        </p:spPr>
-        <p:txBody>
-          <a:bodyPr/>
-          <a:lstStyle/>
-          <a:p>
-            <a:r>
-              <a:rPr lang="en-US" dirty="0"/>
-              <a:t>Simulate human-like reasoning and decision-making</a:t>
-            </a:r>
-          </a:p>
-        </p:txBody>
-      </p:sp>
-      <p:sp>
-        <p:nvSpPr>
-          <p:cNvPr id="9" name="Text Placeholder 8">
-            <a:extLst>
-              <a:ext uri="{FF2B5EF4-FFF2-40B4-BE49-F238E27FC236}">
-                <a16:creationId xmlns:a16="http://schemas.microsoft.com/office/drawing/2014/main" id="{EB320BA1-D4FE-18EF-7623-5787AA5C8413}"/>
-              </a:ext>
-            </a:extLst>
-          </p:cNvPr>
-          <p:cNvSpPr>
-            <a:spLocks noGrp="1"/>
-          </p:cNvSpPr>
-          <p:nvPr>
-            <p:ph type="body" sz="quarter" idx="13"/>
-          </p:nvPr>
-        </p:nvSpPr>
-        <p:spPr>
-          <a:xfrm>
-            <a:off x="0" y="2042698"/>
-            <a:ext cx="3788358" cy="446148"/>
-          </a:xfrm>
-        </p:spPr>
-        <p:txBody>
-          <a:bodyPr/>
-          <a:lstStyle/>
-          <a:p>
-            <a:r>
-              <a:rPr lang="en-US" dirty="0"/>
-              <a:t>Prompt</a:t>
-            </a:r>
-          </a:p>
-        </p:txBody>
-      </p:sp>
-      <p:sp>
-        <p:nvSpPr>
-          <p:cNvPr id="8" name="Text Placeholder 7">
-            <a:extLst>
-              <a:ext uri="{FF2B5EF4-FFF2-40B4-BE49-F238E27FC236}">
-                <a16:creationId xmlns:a16="http://schemas.microsoft.com/office/drawing/2014/main" id="{16C15587-C8AF-9C90-5EBC-C1E4031B5FE7}"/>
-              </a:ext>
-            </a:extLst>
-          </p:cNvPr>
-          <p:cNvSpPr>
-            <a:spLocks noGrp="1"/>
-          </p:cNvSpPr>
-          <p:nvPr>
-            <p:ph type="body" sz="quarter" idx="11"/>
-          </p:nvPr>
-        </p:nvSpPr>
-        <p:spPr>
-          <a:xfrm>
-            <a:off x="586389" y="2706779"/>
-            <a:ext cx="11018520" cy="1107611"/>
-          </a:xfrm>
-        </p:spPr>
-        <p:txBody>
-          <a:bodyPr/>
-          <a:lstStyle/>
-          <a:p>
-            <a:r>
-              <a:rPr lang="en-US" sz="2399" dirty="0">
-                <a:solidFill>
-                  <a:schemeClr val="tx1"/>
-                </a:solidFill>
-              </a:rPr>
-              <a:t>Q: When I was 6 years old, my sister was twice my age. Now I'm 30. How old is my sister?</a:t>
-            </a:r>
-            <a:br>
-              <a:rPr lang="en-US" sz="2399" dirty="0">
-                <a:solidFill>
-                  <a:schemeClr val="tx1"/>
-                </a:solidFill>
-              </a:rPr>
-            </a:br>
-            <a:r>
-              <a:rPr lang="en-US" sz="2399" dirty="0">
-                <a:solidFill>
-                  <a:schemeClr val="tx1"/>
-                </a:solidFill>
-              </a:rPr>
-              <a:t>A: The answer is </a:t>
-            </a:r>
-          </a:p>
-        </p:txBody>
-      </p:sp>
-      <p:sp>
-        <p:nvSpPr>
-          <p:cNvPr id="3" name="Text Placeholder 8">
-            <a:extLst>
-              <a:ext uri="{FF2B5EF4-FFF2-40B4-BE49-F238E27FC236}">
-                <a16:creationId xmlns:a16="http://schemas.microsoft.com/office/drawing/2014/main" id="{2C3DD1DC-42DB-F96D-1179-540B678E88A5}"/>
-              </a:ext>
-            </a:extLst>
-          </p:cNvPr>
-          <p:cNvSpPr txBox="1">
-            <a:spLocks/>
-          </p:cNvSpPr>
-          <p:nvPr/>
-        </p:nvSpPr>
-        <p:spPr>
-          <a:xfrm>
-            <a:off x="0" y="4032323"/>
-            <a:ext cx="3788358" cy="446148"/>
+            <a:off x="3905682" y="4130943"/>
+            <a:ext cx="307777" cy="369332"/>
           </a:xfrm>
           <a:prstGeom prst="rect">
             <a:avLst/>
           </a:prstGeom>
-          <a:solidFill>
-            <a:schemeClr val="tx2"/>
-          </a:solidFill>
+          <a:noFill/>
         </p:spPr>
         <p:txBody>
-          <a:bodyPr vert="horz" wrap="square" lIns="585216" tIns="91440" rIns="0" bIns="45720" rtlCol="0">
+          <a:bodyPr wrap="none" lIns="0" tIns="0" rIns="0" bIns="0" rtlCol="0">
             <a:spAutoFit/>
           </a:bodyPr>
-          <a:lstStyle>
-            <a:lvl1pPr marL="0" marR="0" indent="0" algn="l" defTabSz="932742" rtl="0" eaLnBrk="1" fontAlgn="auto" latinLnBrk="0" hangingPunct="1">
-              <a:lnSpc>
-                <a:spcPct val="100000"/>
-              </a:lnSpc>
-              <a:spcBef>
-                <a:spcPct val="20000"/>
-              </a:spcBef>
-              <a:spcAft>
-                <a:spcPts val="0"/>
-              </a:spcAft>
-              <a:buClrTx/>
-              <a:buSzPct val="90000"/>
-              <a:buFont typeface="Wingdings" panose="05000000000000000000" pitchFamily="2" charset="2"/>
-              <a:buNone/>
-              <a:tabLst/>
-              <a:defRPr sz="1999" kern="1200" spc="0" baseline="0">
-                <a:solidFill>
-                  <a:srgbClr val="FFFFFF"/>
-                </a:solidFill>
-                <a:latin typeface="+mj-lt"/>
-                <a:ea typeface="+mn-ea"/>
-                <a:cs typeface="Segoe UI" panose="020B0502040204020203" pitchFamily="34" charset="0"/>
-              </a:defRPr>
-            </a:lvl1pPr>
-            <a:lvl2pPr marL="457200" marR="0" indent="-228600" algn="l" defTabSz="932742" rtl="0" eaLnBrk="1" fontAlgn="auto" latinLnBrk="0" hangingPunct="1">
-              <a:lnSpc>
-                <a:spcPct val="100000"/>
-              </a:lnSpc>
-              <a:spcBef>
-                <a:spcPct val="20000"/>
-              </a:spcBef>
-              <a:spcAft>
-                <a:spcPts val="0"/>
-              </a:spcAft>
-              <a:buClrTx/>
-              <a:buSzPct val="90000"/>
-              <a:buFont typeface="Wingdings" panose="05000000000000000000" pitchFamily="2" charset="2"/>
-              <a:buChar char=""/>
-              <a:tabLst/>
-              <a:defRPr sz="2000" kern="1200" spc="0" baseline="0">
-                <a:solidFill>
-                  <a:schemeClr val="tx1"/>
-                </a:solidFill>
-                <a:latin typeface="+mn-lt"/>
-                <a:ea typeface="+mn-ea"/>
-                <a:cs typeface="+mn-cs"/>
-              </a:defRPr>
-            </a:lvl2pPr>
-            <a:lvl3pPr marL="657225" marR="0" indent="-200025" algn="l" defTabSz="932742" rtl="0" eaLnBrk="1" fontAlgn="auto" latinLnBrk="0" hangingPunct="1">
-              <a:lnSpc>
-                <a:spcPct val="100000"/>
-              </a:lnSpc>
-              <a:spcBef>
-                <a:spcPct val="20000"/>
-              </a:spcBef>
-              <a:spcAft>
-                <a:spcPts val="0"/>
-              </a:spcAft>
-              <a:buClrTx/>
-              <a:buSzPct val="90000"/>
-              <a:buFont typeface="Wingdings" panose="05000000000000000000" pitchFamily="2" charset="2"/>
-              <a:buChar char=""/>
-              <a:tabLst/>
-              <a:defRPr sz="1600" kern="1200" spc="0" baseline="0">
-                <a:solidFill>
-                  <a:schemeClr val="tx1"/>
-                </a:solidFill>
-                <a:latin typeface="+mn-lt"/>
-                <a:ea typeface="+mn-ea"/>
-                <a:cs typeface="+mn-cs"/>
-              </a:defRPr>
-            </a:lvl3pPr>
-            <a:lvl4pPr marL="842963" marR="0" indent="-180975" algn="l" defTabSz="932742" rtl="0" eaLnBrk="1" fontAlgn="auto" latinLnBrk="0" hangingPunct="1">
-              <a:lnSpc>
-                <a:spcPct val="100000"/>
-              </a:lnSpc>
-              <a:spcBef>
-                <a:spcPct val="20000"/>
-              </a:spcBef>
-              <a:spcAft>
-                <a:spcPts val="0"/>
-              </a:spcAft>
-              <a:buClrTx/>
-              <a:buSzPct val="90000"/>
-              <a:buFont typeface="Wingdings" panose="05000000000000000000" pitchFamily="2" charset="2"/>
-              <a:buChar char=""/>
-              <a:tabLst/>
-              <a:defRPr sz="1400" kern="1200" spc="0" baseline="0">
-                <a:solidFill>
-                  <a:schemeClr val="tx1"/>
-                </a:solidFill>
-                <a:latin typeface="+mn-lt"/>
-                <a:ea typeface="+mn-ea"/>
-                <a:cs typeface="+mn-cs"/>
-              </a:defRPr>
-            </a:lvl4pPr>
-            <a:lvl5pPr marL="1023938" marR="0" indent="-168275" algn="l" defTabSz="932742" rtl="0" eaLnBrk="1" fontAlgn="auto" latinLnBrk="0" hangingPunct="1">
-              <a:lnSpc>
-                <a:spcPct val="100000"/>
-              </a:lnSpc>
-              <a:spcBef>
-                <a:spcPct val="20000"/>
-              </a:spcBef>
-              <a:spcAft>
-                <a:spcPts val="0"/>
-              </a:spcAft>
-              <a:buClrTx/>
-              <a:buSzPct val="90000"/>
-              <a:buFont typeface="Wingdings" panose="05000000000000000000" pitchFamily="2" charset="2"/>
-              <a:buChar char=""/>
-              <a:tabLst/>
-              <a:defRPr sz="1400" kern="1200" spc="0" baseline="0">
-                <a:solidFill>
-                  <a:schemeClr val="tx1"/>
-                </a:solidFill>
-                <a:latin typeface="+mn-lt"/>
-                <a:ea typeface="+mn-ea"/>
-                <a:cs typeface="+mn-cs"/>
-              </a:defRPr>
-            </a:lvl5pPr>
-            <a:lvl6pPr marL="2565040" indent="-233186" algn="l" defTabSz="932742" rtl="0" eaLnBrk="1" latinLnBrk="0" hangingPunct="1">
-              <a:spcBef>
-                <a:spcPct val="20000"/>
-              </a:spcBef>
-              <a:buFont typeface="Arial" pitchFamily="34" charset="0"/>
-              <a:buChar char="•"/>
-              <a:defRPr sz="2000" kern="1200">
-                <a:solidFill>
-                  <a:schemeClr val="tx1"/>
-                </a:solidFill>
-                <a:latin typeface="+mn-lt"/>
-                <a:ea typeface="+mn-ea"/>
-                <a:cs typeface="+mn-cs"/>
-              </a:defRPr>
-            </a:lvl6pPr>
-            <a:lvl7pPr marL="3031412" indent="-233186" algn="l" defTabSz="932742" rtl="0" eaLnBrk="1" latinLnBrk="0" hangingPunct="1">
-              <a:spcBef>
-                <a:spcPct val="20000"/>
-              </a:spcBef>
-              <a:buFont typeface="Arial" pitchFamily="34" charset="0"/>
-              <a:buChar char="•"/>
-              <a:defRPr sz="2000" kern="1200">
-                <a:solidFill>
-                  <a:schemeClr val="tx1"/>
-                </a:solidFill>
-                <a:latin typeface="+mn-lt"/>
-                <a:ea typeface="+mn-ea"/>
-                <a:cs typeface="+mn-cs"/>
-              </a:defRPr>
-            </a:lvl7pPr>
-            <a:lvl8pPr marL="3497783" indent="-233186" algn="l" defTabSz="932742" rtl="0" eaLnBrk="1" latinLnBrk="0" hangingPunct="1">
-              <a:spcBef>
-                <a:spcPct val="20000"/>
-              </a:spcBef>
-              <a:buFont typeface="Arial" pitchFamily="34" charset="0"/>
-              <a:buChar char="•"/>
-              <a:defRPr sz="2000" kern="1200">
-                <a:solidFill>
-                  <a:schemeClr val="tx1"/>
-                </a:solidFill>
-                <a:latin typeface="+mn-lt"/>
-                <a:ea typeface="+mn-ea"/>
-                <a:cs typeface="+mn-cs"/>
-              </a:defRPr>
-            </a:lvl8pPr>
-            <a:lvl9pPr marL="3964155" indent="-233186" algn="l" defTabSz="932742" rtl="0" eaLnBrk="1" latinLnBrk="0" hangingPunct="1">
-              <a:spcBef>
-                <a:spcPct val="20000"/>
-              </a:spcBef>
-              <a:buFont typeface="Arial" pitchFamily="34" charset="0"/>
-              <a:buChar char="•"/>
-              <a:defRPr sz="2000" kern="1200">
-                <a:solidFill>
-                  <a:schemeClr val="tx1"/>
-                </a:solidFill>
-                <a:latin typeface="+mn-lt"/>
-                <a:ea typeface="+mn-ea"/>
-                <a:cs typeface="+mn-cs"/>
-              </a:defRPr>
-            </a:lvl9pPr>
-          </a:lstStyle>
-          <a:p>
-            <a:r>
-              <a:rPr lang="en-US" dirty="0"/>
-              <a:t>Output</a:t>
+          <a:lstStyle/>
+          <a:p>
+            <a:pPr algn="l"/>
+            <a:r>
+              <a:rPr lang="en-FR" sz="2400" dirty="0"/>
+              <a:t>❌</a:t>
             </a:r>
           </a:p>
         </p:txBody>
@@ -31734,36 +31440,493 @@
       </p:sp>
       <p:sp>
         <p:nvSpPr>
-          <p:cNvPr id="7" name="TextBox 6">
+          <p:cNvPr id="3" name="Text Placeholder 8">
             <a:extLst>
               <a:ext uri="{FF2B5EF4-FFF2-40B4-BE49-F238E27FC236}">
-                <a16:creationId xmlns:a16="http://schemas.microsoft.com/office/drawing/2014/main" id="{41AD5E7A-04FE-AAAC-F8C0-1C786A6D1CB7}"/>
+                <a16:creationId xmlns:a16="http://schemas.microsoft.com/office/drawing/2014/main" id="{2C3DD1DC-42DB-F96D-1179-540B678E88A5}"/>
               </a:ext>
             </a:extLst>
           </p:cNvPr>
-          <p:cNvSpPr txBox="1"/>
+          <p:cNvSpPr txBox="1">
+            <a:spLocks/>
+          </p:cNvSpPr>
           <p:nvPr/>
         </p:nvSpPr>
         <p:spPr>
           <a:xfrm>
-            <a:off x="3905682" y="4130943"/>
-            <a:ext cx="307777" cy="369332"/>
+            <a:off x="0" y="4032323"/>
+            <a:ext cx="3788358" cy="446148"/>
+          </a:xfrm>
+          <a:prstGeom prst="rect">
+            <a:avLst/>
+          </a:prstGeom>
+          <a:solidFill>
+            <a:schemeClr val="tx2"/>
+          </a:solidFill>
+        </p:spPr>
+        <p:txBody>
+          <a:bodyPr vert="horz" wrap="square" lIns="585216" tIns="91440" rIns="0" bIns="45720" rtlCol="0">
+            <a:spAutoFit/>
+          </a:bodyPr>
+          <a:lstStyle>
+            <a:lvl1pPr marL="0" marR="0" indent="0" algn="l" defTabSz="932742" rtl="0" eaLnBrk="1" fontAlgn="auto" latinLnBrk="0" hangingPunct="1">
+              <a:lnSpc>
+                <a:spcPct val="100000"/>
+              </a:lnSpc>
+              <a:spcBef>
+                <a:spcPct val="20000"/>
+              </a:spcBef>
+              <a:spcAft>
+                <a:spcPts val="0"/>
+              </a:spcAft>
+              <a:buClrTx/>
+              <a:buSzPct val="90000"/>
+              <a:buFont typeface="Wingdings" panose="05000000000000000000" pitchFamily="2" charset="2"/>
+              <a:buNone/>
+              <a:tabLst/>
+              <a:defRPr sz="1999" kern="1200" spc="0" baseline="0">
+                <a:solidFill>
+                  <a:srgbClr val="FFFFFF"/>
+                </a:solidFill>
+                <a:latin typeface="+mj-lt"/>
+                <a:ea typeface="+mn-ea"/>
+                <a:cs typeface="Segoe UI" panose="020B0502040204020203" pitchFamily="34" charset="0"/>
+              </a:defRPr>
+            </a:lvl1pPr>
+            <a:lvl2pPr marL="457200" marR="0" indent="-228600" algn="l" defTabSz="932742" rtl="0" eaLnBrk="1" fontAlgn="auto" latinLnBrk="0" hangingPunct="1">
+              <a:lnSpc>
+                <a:spcPct val="100000"/>
+              </a:lnSpc>
+              <a:spcBef>
+                <a:spcPct val="20000"/>
+              </a:spcBef>
+              <a:spcAft>
+                <a:spcPts val="0"/>
+              </a:spcAft>
+              <a:buClrTx/>
+              <a:buSzPct val="90000"/>
+              <a:buFont typeface="Wingdings" panose="05000000000000000000" pitchFamily="2" charset="2"/>
+              <a:buChar char=""/>
+              <a:tabLst/>
+              <a:defRPr sz="2000" kern="1200" spc="0" baseline="0">
+                <a:solidFill>
+                  <a:schemeClr val="tx1"/>
+                </a:solidFill>
+                <a:latin typeface="+mn-lt"/>
+                <a:ea typeface="+mn-ea"/>
+                <a:cs typeface="+mn-cs"/>
+              </a:defRPr>
+            </a:lvl2pPr>
+            <a:lvl3pPr marL="657225" marR="0" indent="-200025" algn="l" defTabSz="932742" rtl="0" eaLnBrk="1" fontAlgn="auto" latinLnBrk="0" hangingPunct="1">
+              <a:lnSpc>
+                <a:spcPct val="100000"/>
+              </a:lnSpc>
+              <a:spcBef>
+                <a:spcPct val="20000"/>
+              </a:spcBef>
+              <a:spcAft>
+                <a:spcPts val="0"/>
+              </a:spcAft>
+              <a:buClrTx/>
+              <a:buSzPct val="90000"/>
+              <a:buFont typeface="Wingdings" panose="05000000000000000000" pitchFamily="2" charset="2"/>
+              <a:buChar char=""/>
+              <a:tabLst/>
+              <a:defRPr sz="1600" kern="1200" spc="0" baseline="0">
+                <a:solidFill>
+                  <a:schemeClr val="tx1"/>
+                </a:solidFill>
+                <a:latin typeface="+mn-lt"/>
+                <a:ea typeface="+mn-ea"/>
+                <a:cs typeface="+mn-cs"/>
+              </a:defRPr>
+            </a:lvl3pPr>
+            <a:lvl4pPr marL="842963" marR="0" indent="-180975" algn="l" defTabSz="932742" rtl="0" eaLnBrk="1" fontAlgn="auto" latinLnBrk="0" hangingPunct="1">
+              <a:lnSpc>
+                <a:spcPct val="100000"/>
+              </a:lnSpc>
+              <a:spcBef>
+                <a:spcPct val="20000"/>
+              </a:spcBef>
+              <a:spcAft>
+                <a:spcPts val="0"/>
+              </a:spcAft>
+              <a:buClrTx/>
+              <a:buSzPct val="90000"/>
+              <a:buFont typeface="Wingdings" panose="05000000000000000000" pitchFamily="2" charset="2"/>
+              <a:buChar char=""/>
+              <a:tabLst/>
+              <a:defRPr sz="1400" kern="1200" spc="0" baseline="0">
+                <a:solidFill>
+                  <a:schemeClr val="tx1"/>
+                </a:solidFill>
+                <a:latin typeface="+mn-lt"/>
+                <a:ea typeface="+mn-ea"/>
+                <a:cs typeface="+mn-cs"/>
+              </a:defRPr>
+            </a:lvl4pPr>
+            <a:lvl5pPr marL="1023938" marR="0" indent="-168275" algn="l" defTabSz="932742" rtl="0" eaLnBrk="1" fontAlgn="auto" latinLnBrk="0" hangingPunct="1">
+              <a:lnSpc>
+                <a:spcPct val="100000"/>
+              </a:lnSpc>
+              <a:spcBef>
+                <a:spcPct val="20000"/>
+              </a:spcBef>
+              <a:spcAft>
+                <a:spcPts val="0"/>
+              </a:spcAft>
+              <a:buClrTx/>
+              <a:buSzPct val="90000"/>
+              <a:buFont typeface="Wingdings" panose="05000000000000000000" pitchFamily="2" charset="2"/>
+              <a:buChar char=""/>
+              <a:tabLst/>
+              <a:defRPr sz="1400" kern="1200" spc="0" baseline="0">
+                <a:solidFill>
+                  <a:schemeClr val="tx1"/>
+                </a:solidFill>
+                <a:latin typeface="+mn-lt"/>
+                <a:ea typeface="+mn-ea"/>
+                <a:cs typeface="+mn-cs"/>
+              </a:defRPr>
+            </a:lvl5pPr>
+            <a:lvl6pPr marL="2565040" indent="-233186" algn="l" defTabSz="932742" rtl="0" eaLnBrk="1" latinLnBrk="0" hangingPunct="1">
+              <a:spcBef>
+                <a:spcPct val="20000"/>
+              </a:spcBef>
+              <a:buFont typeface="Arial" pitchFamily="34" charset="0"/>
+              <a:buChar char="•"/>
+              <a:defRPr sz="2000" kern="1200">
+                <a:solidFill>
+                  <a:schemeClr val="tx1"/>
+                </a:solidFill>
+                <a:latin typeface="+mn-lt"/>
+                <a:ea typeface="+mn-ea"/>
+                <a:cs typeface="+mn-cs"/>
+              </a:defRPr>
+            </a:lvl6pPr>
+            <a:lvl7pPr marL="3031412" indent="-233186" algn="l" defTabSz="932742" rtl="0" eaLnBrk="1" latinLnBrk="0" hangingPunct="1">
+              <a:spcBef>
+                <a:spcPct val="20000"/>
+              </a:spcBef>
+              <a:buFont typeface="Arial" pitchFamily="34" charset="0"/>
+              <a:buChar char="•"/>
+              <a:defRPr sz="2000" kern="1200">
+                <a:solidFill>
+                  <a:schemeClr val="tx1"/>
+                </a:solidFill>
+                <a:latin typeface="+mn-lt"/>
+                <a:ea typeface="+mn-ea"/>
+                <a:cs typeface="+mn-cs"/>
+              </a:defRPr>
+            </a:lvl7pPr>
+            <a:lvl8pPr marL="3497783" indent="-233186" algn="l" defTabSz="932742" rtl="0" eaLnBrk="1" latinLnBrk="0" hangingPunct="1">
+              <a:spcBef>
+                <a:spcPct val="20000"/>
+              </a:spcBef>
+              <a:buFont typeface="Arial" pitchFamily="34" charset="0"/>
+              <a:buChar char="•"/>
+              <a:defRPr sz="2000" kern="1200">
+                <a:solidFill>
+                  <a:schemeClr val="tx1"/>
+                </a:solidFill>
+                <a:latin typeface="+mn-lt"/>
+                <a:ea typeface="+mn-ea"/>
+                <a:cs typeface="+mn-cs"/>
+              </a:defRPr>
+            </a:lvl8pPr>
+            <a:lvl9pPr marL="3964155" indent="-233186" algn="l" defTabSz="932742" rtl="0" eaLnBrk="1" latinLnBrk="0" hangingPunct="1">
+              <a:spcBef>
+                <a:spcPct val="20000"/>
+              </a:spcBef>
+              <a:buFont typeface="Arial" pitchFamily="34" charset="0"/>
+              <a:buChar char="•"/>
+              <a:defRPr sz="2000" kern="1200">
+                <a:solidFill>
+                  <a:schemeClr val="tx1"/>
+                </a:solidFill>
+                <a:latin typeface="+mn-lt"/>
+                <a:ea typeface="+mn-ea"/>
+                <a:cs typeface="+mn-cs"/>
+              </a:defRPr>
+            </a:lvl9pPr>
+          </a:lstStyle>
+          <a:p>
+            <a:r>
+              <a:rPr lang="en-US" dirty="0"/>
+              <a:t>Output</a:t>
+            </a:r>
+          </a:p>
+        </p:txBody>
+      </p:sp>
+      <p:sp>
+        <p:nvSpPr>
+          <p:cNvPr id="8" name="Text Placeholder 7">
+            <a:extLst>
+              <a:ext uri="{FF2B5EF4-FFF2-40B4-BE49-F238E27FC236}">
+                <a16:creationId xmlns:a16="http://schemas.microsoft.com/office/drawing/2014/main" id="{16C15587-C8AF-9C90-5EBC-C1E4031B5FE7}"/>
+              </a:ext>
+            </a:extLst>
+          </p:cNvPr>
+          <p:cNvSpPr>
+            <a:spLocks noGrp="1"/>
+          </p:cNvSpPr>
+          <p:nvPr>
+            <p:ph type="body" sz="quarter" idx="11"/>
+          </p:nvPr>
+        </p:nvSpPr>
+        <p:spPr>
+          <a:xfrm>
+            <a:off x="586389" y="2706779"/>
+            <a:ext cx="11018520" cy="1107611"/>
+          </a:xfrm>
+        </p:spPr>
+        <p:txBody>
+          <a:bodyPr/>
+          <a:lstStyle/>
+          <a:p>
+            <a:r>
+              <a:rPr lang="en-US" sz="2399" dirty="0">
+                <a:solidFill>
+                  <a:schemeClr val="tx1"/>
+                </a:solidFill>
+              </a:rPr>
+              <a:t>Q: When I was 6 years old, my sister was twice my age. Now I'm 30. How old is my sister?</a:t>
+            </a:r>
+            <a:br>
+              <a:rPr lang="en-US" sz="2399" dirty="0">
+                <a:solidFill>
+                  <a:schemeClr val="tx1"/>
+                </a:solidFill>
+              </a:rPr>
+            </a:br>
+            <a:r>
+              <a:rPr lang="en-US" sz="2399" dirty="0">
+                <a:solidFill>
+                  <a:schemeClr val="tx1"/>
+                </a:solidFill>
+              </a:rPr>
+              <a:t>A: The answer is </a:t>
+            </a:r>
+          </a:p>
+        </p:txBody>
+      </p:sp>
+      <p:sp>
+        <p:nvSpPr>
+          <p:cNvPr id="9" name="Text Placeholder 8">
+            <a:extLst>
+              <a:ext uri="{FF2B5EF4-FFF2-40B4-BE49-F238E27FC236}">
+                <a16:creationId xmlns:a16="http://schemas.microsoft.com/office/drawing/2014/main" id="{EB320BA1-D4FE-18EF-7623-5787AA5C8413}"/>
+              </a:ext>
+            </a:extLst>
+          </p:cNvPr>
+          <p:cNvSpPr>
+            <a:spLocks noGrp="1"/>
+          </p:cNvSpPr>
+          <p:nvPr>
+            <p:ph type="body" sz="quarter" idx="13"/>
+          </p:nvPr>
+        </p:nvSpPr>
+        <p:spPr>
+          <a:xfrm>
+            <a:off x="0" y="2042698"/>
+            <a:ext cx="3788358" cy="446148"/>
+          </a:xfrm>
+        </p:spPr>
+        <p:txBody>
+          <a:bodyPr/>
+          <a:lstStyle/>
+          <a:p>
+            <a:r>
+              <a:rPr lang="en-US" dirty="0"/>
+              <a:t>Prompt</a:t>
+            </a:r>
+          </a:p>
+        </p:txBody>
+      </p:sp>
+      <p:sp>
+        <p:nvSpPr>
+          <p:cNvPr id="11" name="Text Placeholder 10">
+            <a:extLst>
+              <a:ext uri="{FF2B5EF4-FFF2-40B4-BE49-F238E27FC236}">
+                <a16:creationId xmlns:a16="http://schemas.microsoft.com/office/drawing/2014/main" id="{D83E54D1-9B0B-A2D9-F865-89117B448CB2}"/>
+              </a:ext>
+            </a:extLst>
+          </p:cNvPr>
+          <p:cNvSpPr>
+            <a:spLocks noGrp="1"/>
+          </p:cNvSpPr>
+          <p:nvPr>
+            <p:ph type="body" sz="quarter" idx="10"/>
+          </p:nvPr>
+        </p:nvSpPr>
+        <p:spPr>
+          <a:xfrm>
+            <a:off x="586390" y="1230681"/>
+            <a:ext cx="11018520" cy="369332"/>
+          </a:xfrm>
+        </p:spPr>
+        <p:txBody>
+          <a:bodyPr/>
+          <a:lstStyle/>
+          <a:p>
+            <a:r>
+              <a:rPr lang="en-US" dirty="0"/>
+              <a:t>Simulate human-like reasoning and decision-making</a:t>
+            </a:r>
+          </a:p>
+        </p:txBody>
+      </p:sp>
+      <p:sp>
+        <p:nvSpPr>
+          <p:cNvPr id="2" name="Title 1">
+            <a:extLst>
+              <a:ext uri="{FF2B5EF4-FFF2-40B4-BE49-F238E27FC236}">
+                <a16:creationId xmlns:a16="http://schemas.microsoft.com/office/drawing/2014/main" id="{4BB13E68-3BDD-E8D9-7692-0D22D6D1CBA8}"/>
+              </a:ext>
+              <a:ext uri="{C183D7F6-B498-43B3-948B-1728B52AA6E4}">
+                <adec:decorative xmlns:adec="http://schemas.microsoft.com/office/drawing/2017/decorative" val="1"/>
+              </a:ext>
+            </a:extLst>
+          </p:cNvPr>
+          <p:cNvSpPr>
+            <a:spLocks/>
+          </p:cNvSpPr>
+          <p:nvPr/>
+        </p:nvSpPr>
+        <p:spPr>
+          <a:xfrm>
+            <a:off x="588263" y="457200"/>
+            <a:ext cx="11018520" cy="553998"/>
           </a:xfrm>
           <a:prstGeom prst="rect">
             <a:avLst/>
           </a:prstGeom>
           <a:noFill/>
+          <a:ln>
+            <a:noFill/>
+            <a:prstDash/>
+          </a:ln>
+          <a:effectLst/>
         </p:spPr>
         <p:txBody>
-          <a:bodyPr wrap="none" lIns="0" tIns="0" rIns="0" bIns="0" rtlCol="0">
+          <a:bodyPr rot="0" spcFirstLastPara="0" vertOverflow="overflow" horzOverflow="overflow" vert="horz" wrap="square" lIns="0" tIns="0" rIns="0" bIns="0" numCol="1" spcCol="0" rtlCol="0" fromWordArt="0" anchor="t" anchorCtr="0" forceAA="0" compatLnSpc="1">
+            <a:prstTxWarp prst="textNoShape">
+              <a:avLst/>
+            </a:prstTxWarp>
             <a:spAutoFit/>
           </a:bodyPr>
           <a:lstStyle/>
           <a:p>
-            <a:pPr algn="l"/>
-            <a:r>
-              <a:rPr lang="en-FR" sz="2400" dirty="0"/>
-              <a:t>❌</a:t>
+            <a:pPr marL="0" marR="0" lvl="0" indent="0" algn="l" defTabSz="932742" rtl="0" eaLnBrk="1" fontAlgn="auto" latinLnBrk="0" hangingPunct="1">
+              <a:lnSpc>
+                <a:spcPct val="100000"/>
+              </a:lnSpc>
+              <a:spcBef>
+                <a:spcPct val="0"/>
+              </a:spcBef>
+              <a:spcAft>
+                <a:spcPts val="0"/>
+              </a:spcAft>
+              <a:buClrTx/>
+              <a:buSzTx/>
+              <a:buFontTx/>
+              <a:buNone/>
+              <a:tabLst/>
+              <a:defRPr/>
+            </a:pPr>
+            <a:r>
+              <a:rPr kumimoji="0" lang="en-US" sz="3600" b="0" i="0" u="none" strike="noStrike" kern="1200" cap="none" spc="-50" normalizeH="0" baseline="0" noProof="0" dirty="0">
+                <a:ln w="3175">
+                  <a:noFill/>
+                </a:ln>
+                <a:solidFill>
+                  <a:schemeClr val="tx2"/>
+                </a:solidFill>
+                <a:effectLst/>
+                <a:uLnTx/>
+                <a:uFillTx/>
+                <a:latin typeface="+mj-lt"/>
+                <a:ea typeface="+mn-ea"/>
+                <a:cs typeface="Segoe UI" pitchFamily="34" charset="0"/>
+              </a:rPr>
+              <a:t>Chain of Thought</a:t>
+            </a:r>
+          </a:p>
+        </p:txBody>
+      </p:sp>
+      <p:sp>
+        <p:nvSpPr>
+          <p:cNvPr id="6" name="Title 5">
+            <a:extLst>
+              <a:ext uri="{FF2B5EF4-FFF2-40B4-BE49-F238E27FC236}">
+                <a16:creationId xmlns:a16="http://schemas.microsoft.com/office/drawing/2014/main" id="{2C154235-D9E5-2A84-24AC-848039FF9B44}"/>
+              </a:ext>
+            </a:extLst>
+          </p:cNvPr>
+          <p:cNvSpPr txBox="1">
+            <a:spLocks noGrp="1"/>
+          </p:cNvSpPr>
+          <p:nvPr>
+            <p:ph type="title" idx="4294967295"/>
+          </p:nvPr>
+        </p:nvSpPr>
+        <p:spPr>
+          <a:xfrm>
+            <a:off x="170482" y="7139695"/>
+            <a:ext cx="2534348" cy="307777"/>
+          </a:xfrm>
+          <a:prstGeom prst="rect">
+            <a:avLst/>
+          </a:prstGeom>
+          <a:noFill/>
+          <a:ln>
+            <a:noFill/>
+            <a:prstDash/>
+          </a:ln>
+          <a:effectLst/>
+        </p:spPr>
+        <p:txBody>
+          <a:bodyPr rot="0" spcFirstLastPara="0" vertOverflow="overflow" horzOverflow="overflow" vert="horz" wrap="none" lIns="0" tIns="0" rIns="0" bIns="0" numCol="1" spcCol="0" rtlCol="0" fromWordArt="0" anchor="t" anchorCtr="0" forceAA="0" compatLnSpc="1">
+            <a:prstTxWarp prst="textNoShape">
+              <a:avLst/>
+            </a:prstTxWarp>
+            <a:spAutoFit/>
+          </a:bodyPr>
+          <a:lstStyle/>
+          <a:p>
+            <a:pPr marL="0" marR="0" lvl="0" indent="0" algn="l" defTabSz="914400" rtl="0" eaLnBrk="1" fontAlgn="auto" latinLnBrk="0" hangingPunct="1">
+              <a:lnSpc>
+                <a:spcPct val="100000"/>
+              </a:lnSpc>
+              <a:spcBef>
+                <a:spcPts val="0"/>
+              </a:spcBef>
+              <a:spcAft>
+                <a:spcPts val="0"/>
+              </a:spcAft>
+              <a:buClrTx/>
+              <a:buSzTx/>
+              <a:buFontTx/>
+              <a:buNone/>
+              <a:tabLst/>
+              <a:defRPr/>
+            </a:pPr>
+            <a:r>
+              <a:rPr kumimoji="0" lang="en-FR" sz="2000" b="0" i="0" u="none" strike="noStrike" kern="1200" cap="none" spc="0" normalizeH="0" baseline="0" noProof="0" dirty="0">
+                <a:ln>
+                  <a:noFill/>
+                </a:ln>
+                <a:solidFill>
+                  <a:schemeClr val="tx1"/>
+                </a:solidFill>
+                <a:effectLst/>
+                <a:uLnTx/>
+                <a:uFillTx/>
+                <a:latin typeface="+mn-lt"/>
+                <a:ea typeface="+mn-ea"/>
+                <a:cs typeface="+mn-cs"/>
+              </a:rPr>
+              <a:t>Chain of Thought (1/2)</a:t>
             </a:r>
           </a:p>
         </p:txBody>
@@ -32046,8 +32209,8 @@
       </p:par>
     </p:tnLst>
     <p:bldLst>
+      <p:bldP spid="7" grpId="0"/>
       <p:bldP spid="4" grpId="0"/>
-      <p:bldP spid="7" grpId="0"/>
     </p:bldLst>
   </p:timing>
 </p:sld>
@@ -32082,6 +32245,9 @@
             <a:extLst>
               <a:ext uri="{FF2B5EF4-FFF2-40B4-BE49-F238E27FC236}">
                 <a16:creationId xmlns:a16="http://schemas.microsoft.com/office/drawing/2014/main" id="{E01DDC51-F50A-38D3-E419-53934E502643}"/>
+              </a:ext>
+              <a:ext uri="{C183D7F6-B498-43B3-948B-1728B52AA6E4}">
+                <adec:decorative xmlns:adec="http://schemas.microsoft.com/office/drawing/2017/decorative" val="1"/>
               </a:ext>
             </a:extLst>
           </p:cNvPr>
@@ -32156,6 +32322,9 @@
               <a:ext uri="{FF2B5EF4-FFF2-40B4-BE49-F238E27FC236}">
                 <a16:creationId xmlns:a16="http://schemas.microsoft.com/office/drawing/2014/main" id="{6B7D94A4-C329-1E3B-A1E4-84179A67DE65}"/>
               </a:ext>
+              <a:ext uri="{C183D7F6-B498-43B3-948B-1728B52AA6E4}">
+                <adec:decorative xmlns:adec="http://schemas.microsoft.com/office/drawing/2017/decorative" val="1"/>
+              </a:ext>
             </a:extLst>
           </p:cNvPr>
           <p:cNvSpPr/>
@@ -32222,104 +32391,13 @@
       </p:sp>
       <p:sp>
         <p:nvSpPr>
-          <p:cNvPr id="2" name="Title 1">
-            <a:extLst>
-              <a:ext uri="{FF2B5EF4-FFF2-40B4-BE49-F238E27FC236}">
-                <a16:creationId xmlns:a16="http://schemas.microsoft.com/office/drawing/2014/main" id="{099A8D6E-655B-7D76-A445-00D3A6E9DCDA}"/>
-              </a:ext>
-            </a:extLst>
-          </p:cNvPr>
-          <p:cNvSpPr>
-            <a:spLocks noGrp="1"/>
-          </p:cNvSpPr>
-          <p:nvPr>
-            <p:ph type="title"/>
-          </p:nvPr>
-        </p:nvSpPr>
-        <p:spPr/>
-        <p:txBody>
-          <a:bodyPr/>
-          <a:lstStyle/>
-          <a:p>
-            <a:r>
-              <a:rPr lang="en-US" dirty="0"/>
-              <a:t>Chain of Thought</a:t>
-            </a:r>
-          </a:p>
-        </p:txBody>
-      </p:sp>
-      <p:sp>
-        <p:nvSpPr>
-          <p:cNvPr id="11" name="Text Placeholder 10">
-            <a:extLst>
-              <a:ext uri="{FF2B5EF4-FFF2-40B4-BE49-F238E27FC236}">
-                <a16:creationId xmlns:a16="http://schemas.microsoft.com/office/drawing/2014/main" id="{5626FAF6-E97F-09D6-46CC-4300F8C1D8C7}"/>
-              </a:ext>
-            </a:extLst>
-          </p:cNvPr>
-          <p:cNvSpPr>
-            <a:spLocks noGrp="1"/>
-          </p:cNvSpPr>
-          <p:nvPr>
-            <p:ph type="body" sz="quarter" idx="10"/>
-          </p:nvPr>
-        </p:nvSpPr>
-        <p:spPr>
-          <a:xfrm>
-            <a:off x="586390" y="1230681"/>
-            <a:ext cx="11018520" cy="369332"/>
-          </a:xfrm>
-        </p:spPr>
-        <p:txBody>
-          <a:bodyPr/>
-          <a:lstStyle/>
-          <a:p>
-            <a:r>
-              <a:rPr lang="en-US" dirty="0"/>
-              <a:t>Simulate human-like reasoning and decision-making</a:t>
-            </a:r>
-          </a:p>
-        </p:txBody>
-      </p:sp>
-      <p:sp>
-        <p:nvSpPr>
-          <p:cNvPr id="9" name="Text Placeholder 8">
-            <a:extLst>
-              <a:ext uri="{FF2B5EF4-FFF2-40B4-BE49-F238E27FC236}">
-                <a16:creationId xmlns:a16="http://schemas.microsoft.com/office/drawing/2014/main" id="{3B772DC0-0134-2658-43A4-F20649ED9D9D}"/>
-              </a:ext>
-            </a:extLst>
-          </p:cNvPr>
-          <p:cNvSpPr>
-            <a:spLocks noGrp="1"/>
-          </p:cNvSpPr>
-          <p:nvPr>
-            <p:ph type="body" sz="quarter" idx="13"/>
-          </p:nvPr>
-        </p:nvSpPr>
-        <p:spPr>
-          <a:xfrm>
-            <a:off x="0" y="2042698"/>
-            <a:ext cx="3788358" cy="446148"/>
-          </a:xfrm>
-        </p:spPr>
-        <p:txBody>
-          <a:bodyPr/>
-          <a:lstStyle/>
-          <a:p>
-            <a:r>
-              <a:rPr lang="en-US" dirty="0"/>
-              <a:t>Prompt</a:t>
-            </a:r>
-          </a:p>
-        </p:txBody>
-      </p:sp>
-      <p:sp>
-        <p:nvSpPr>
           <p:cNvPr id="12" name="Rectangle 11">
             <a:extLst>
               <a:ext uri="{FF2B5EF4-FFF2-40B4-BE49-F238E27FC236}">
                 <a16:creationId xmlns:a16="http://schemas.microsoft.com/office/drawing/2014/main" id="{DFC4ACAD-F841-B85B-4A68-2D5F4CADEAF1}"/>
+              </a:ext>
+              <a:ext uri="{C183D7F6-B498-43B3-948B-1728B52AA6E4}">
+                <adec:decorative xmlns:adec="http://schemas.microsoft.com/office/drawing/2017/decorative" val="1"/>
               </a:ext>
             </a:extLst>
           </p:cNvPr>
@@ -32387,272 +32465,35 @@
       </p:sp>
       <p:sp>
         <p:nvSpPr>
-          <p:cNvPr id="8" name="Text Placeholder 7">
+          <p:cNvPr id="7" name="TextBox 6">
             <a:extLst>
               <a:ext uri="{FF2B5EF4-FFF2-40B4-BE49-F238E27FC236}">
-                <a16:creationId xmlns:a16="http://schemas.microsoft.com/office/drawing/2014/main" id="{44EE1DA2-87B1-1B30-FDED-7136A837B547}"/>
+                <a16:creationId xmlns:a16="http://schemas.microsoft.com/office/drawing/2014/main" id="{6C1399D4-15D8-E445-459F-9155BFE870F8}"/>
               </a:ext>
             </a:extLst>
           </p:cNvPr>
-          <p:cNvSpPr>
-            <a:spLocks noGrp="1"/>
-          </p:cNvSpPr>
-          <p:nvPr>
-            <p:ph type="body" sz="quarter" idx="11"/>
-          </p:nvPr>
+          <p:cNvSpPr txBox="1"/>
+          <p:nvPr/>
         </p:nvSpPr>
         <p:spPr>
           <a:xfrm>
-            <a:off x="586389" y="2706779"/>
-            <a:ext cx="11018520" cy="1107611"/>
-          </a:xfrm>
-        </p:spPr>
-        <p:txBody>
-          <a:bodyPr/>
-          <a:lstStyle/>
-          <a:p>
-            <a:r>
-              <a:rPr lang="en-US" sz="2399" dirty="0">
-                <a:solidFill>
-                  <a:schemeClr val="tx1"/>
-                </a:solidFill>
-              </a:rPr>
-              <a:t>Q: When I was 6 years old, my sister was twice my age. Now I'm 30. How old is my sister?</a:t>
-            </a:r>
-            <a:br>
-              <a:rPr lang="en-US" sz="2399" dirty="0">
-                <a:solidFill>
-                  <a:schemeClr val="tx1"/>
-                </a:solidFill>
-              </a:rPr>
-            </a:br>
-            <a:r>
-              <a:rPr lang="en-US" sz="2399" dirty="0">
-                <a:solidFill>
-                  <a:schemeClr val="tx1"/>
-                </a:solidFill>
-              </a:rPr>
-              <a:t>A: Let’s think step by step</a:t>
-            </a:r>
-          </a:p>
-        </p:txBody>
-      </p:sp>
-      <p:sp>
-        <p:nvSpPr>
-          <p:cNvPr id="3" name="Text Placeholder 8">
-            <a:extLst>
-              <a:ext uri="{FF2B5EF4-FFF2-40B4-BE49-F238E27FC236}">
-                <a16:creationId xmlns:a16="http://schemas.microsoft.com/office/drawing/2014/main" id="{24FC4481-8DF9-7967-AA46-01E54E67CD21}"/>
-              </a:ext>
-            </a:extLst>
-          </p:cNvPr>
-          <p:cNvSpPr txBox="1">
-            <a:spLocks/>
-          </p:cNvSpPr>
-          <p:nvPr/>
-        </p:nvSpPr>
-        <p:spPr>
-          <a:xfrm>
-            <a:off x="0" y="4032323"/>
-            <a:ext cx="3788358" cy="446148"/>
+            <a:off x="3905682" y="4123194"/>
+            <a:ext cx="359073" cy="430887"/>
           </a:xfrm>
           <a:prstGeom prst="rect">
             <a:avLst/>
           </a:prstGeom>
-          <a:solidFill>
-            <a:schemeClr val="tx2"/>
-          </a:solidFill>
+          <a:noFill/>
         </p:spPr>
         <p:txBody>
-          <a:bodyPr vert="horz" wrap="square" lIns="585216" tIns="91440" rIns="0" bIns="45720" rtlCol="0">
+          <a:bodyPr wrap="none" lIns="0" tIns="0" rIns="0" bIns="0" rtlCol="0">
             <a:spAutoFit/>
           </a:bodyPr>
-          <a:lstStyle>
-            <a:lvl1pPr marL="0" marR="0" indent="0" algn="l" defTabSz="932742" rtl="0" eaLnBrk="1" fontAlgn="auto" latinLnBrk="0" hangingPunct="1">
-              <a:lnSpc>
-                <a:spcPct val="100000"/>
-              </a:lnSpc>
-              <a:spcBef>
-                <a:spcPct val="20000"/>
-              </a:spcBef>
-              <a:spcAft>
-                <a:spcPts val="0"/>
-              </a:spcAft>
-              <a:buClrTx/>
-              <a:buSzPct val="90000"/>
-              <a:buFont typeface="Wingdings" panose="05000000000000000000" pitchFamily="2" charset="2"/>
-              <a:buNone/>
-              <a:tabLst/>
-              <a:defRPr sz="1999" kern="1200" spc="0" baseline="0">
-                <a:solidFill>
-                  <a:srgbClr val="FFFFFF"/>
-                </a:solidFill>
-                <a:latin typeface="+mj-lt"/>
-                <a:ea typeface="+mn-ea"/>
-                <a:cs typeface="Segoe UI" panose="020B0502040204020203" pitchFamily="34" charset="0"/>
-              </a:defRPr>
-            </a:lvl1pPr>
-            <a:lvl2pPr marL="457200" marR="0" indent="-228600" algn="l" defTabSz="932742" rtl="0" eaLnBrk="1" fontAlgn="auto" latinLnBrk="0" hangingPunct="1">
-              <a:lnSpc>
-                <a:spcPct val="100000"/>
-              </a:lnSpc>
-              <a:spcBef>
-                <a:spcPct val="20000"/>
-              </a:spcBef>
-              <a:spcAft>
-                <a:spcPts val="0"/>
-              </a:spcAft>
-              <a:buClrTx/>
-              <a:buSzPct val="90000"/>
-              <a:buFont typeface="Wingdings" panose="05000000000000000000" pitchFamily="2" charset="2"/>
-              <a:buChar char=""/>
-              <a:tabLst/>
-              <a:defRPr sz="2000" kern="1200" spc="0" baseline="0">
-                <a:solidFill>
-                  <a:schemeClr val="tx1"/>
-                </a:solidFill>
-                <a:latin typeface="+mn-lt"/>
-                <a:ea typeface="+mn-ea"/>
-                <a:cs typeface="+mn-cs"/>
-              </a:defRPr>
-            </a:lvl2pPr>
-            <a:lvl3pPr marL="657225" marR="0" indent="-200025" algn="l" defTabSz="932742" rtl="0" eaLnBrk="1" fontAlgn="auto" latinLnBrk="0" hangingPunct="1">
-              <a:lnSpc>
-                <a:spcPct val="100000"/>
-              </a:lnSpc>
-              <a:spcBef>
-                <a:spcPct val="20000"/>
-              </a:spcBef>
-              <a:spcAft>
-                <a:spcPts val="0"/>
-              </a:spcAft>
-              <a:buClrTx/>
-              <a:buSzPct val="90000"/>
-              <a:buFont typeface="Wingdings" panose="05000000000000000000" pitchFamily="2" charset="2"/>
-              <a:buChar char=""/>
-              <a:tabLst/>
-              <a:defRPr sz="1600" kern="1200" spc="0" baseline="0">
-                <a:solidFill>
-                  <a:schemeClr val="tx1"/>
-                </a:solidFill>
-                <a:latin typeface="+mn-lt"/>
-                <a:ea typeface="+mn-ea"/>
-                <a:cs typeface="+mn-cs"/>
-              </a:defRPr>
-            </a:lvl3pPr>
-            <a:lvl4pPr marL="842963" marR="0" indent="-180975" algn="l" defTabSz="932742" rtl="0" eaLnBrk="1" fontAlgn="auto" latinLnBrk="0" hangingPunct="1">
-              <a:lnSpc>
-                <a:spcPct val="100000"/>
-              </a:lnSpc>
-              <a:spcBef>
-                <a:spcPct val="20000"/>
-              </a:spcBef>
-              <a:spcAft>
-                <a:spcPts val="0"/>
-              </a:spcAft>
-              <a:buClrTx/>
-              <a:buSzPct val="90000"/>
-              <a:buFont typeface="Wingdings" panose="05000000000000000000" pitchFamily="2" charset="2"/>
-              <a:buChar char=""/>
-              <a:tabLst/>
-              <a:defRPr sz="1400" kern="1200" spc="0" baseline="0">
-                <a:solidFill>
-                  <a:schemeClr val="tx1"/>
-                </a:solidFill>
-                <a:latin typeface="+mn-lt"/>
-                <a:ea typeface="+mn-ea"/>
-                <a:cs typeface="+mn-cs"/>
-              </a:defRPr>
-            </a:lvl4pPr>
-            <a:lvl5pPr marL="1023938" marR="0" indent="-168275" algn="l" defTabSz="932742" rtl="0" eaLnBrk="1" fontAlgn="auto" latinLnBrk="0" hangingPunct="1">
-              <a:lnSpc>
-                <a:spcPct val="100000"/>
-              </a:lnSpc>
-              <a:spcBef>
-                <a:spcPct val="20000"/>
-              </a:spcBef>
-              <a:spcAft>
-                <a:spcPts val="0"/>
-              </a:spcAft>
-              <a:buClrTx/>
-              <a:buSzPct val="90000"/>
-              <a:buFont typeface="Wingdings" panose="05000000000000000000" pitchFamily="2" charset="2"/>
-              <a:buChar char=""/>
-              <a:tabLst/>
-              <a:defRPr sz="1400" kern="1200" spc="0" baseline="0">
-                <a:solidFill>
-                  <a:schemeClr val="tx1"/>
-                </a:solidFill>
-                <a:latin typeface="+mn-lt"/>
-                <a:ea typeface="+mn-ea"/>
-                <a:cs typeface="+mn-cs"/>
-              </a:defRPr>
-            </a:lvl5pPr>
-            <a:lvl6pPr marL="2565040" indent="-233186" algn="l" defTabSz="932742" rtl="0" eaLnBrk="1" latinLnBrk="0" hangingPunct="1">
-              <a:spcBef>
-                <a:spcPct val="20000"/>
-              </a:spcBef>
-              <a:buFont typeface="Arial" pitchFamily="34" charset="0"/>
-              <a:buChar char="•"/>
-              <a:defRPr sz="2000" kern="1200">
-                <a:solidFill>
-                  <a:schemeClr val="tx1"/>
-                </a:solidFill>
-                <a:latin typeface="+mn-lt"/>
-                <a:ea typeface="+mn-ea"/>
-                <a:cs typeface="+mn-cs"/>
-              </a:defRPr>
-            </a:lvl6pPr>
-            <a:lvl7pPr marL="3031412" indent="-233186" algn="l" defTabSz="932742" rtl="0" eaLnBrk="1" latinLnBrk="0" hangingPunct="1">
-              <a:spcBef>
-                <a:spcPct val="20000"/>
-              </a:spcBef>
-              <a:buFont typeface="Arial" pitchFamily="34" charset="0"/>
-              <a:buChar char="•"/>
-              <a:defRPr sz="2000" kern="1200">
-                <a:solidFill>
-                  <a:schemeClr val="tx1"/>
-                </a:solidFill>
-                <a:latin typeface="+mn-lt"/>
-                <a:ea typeface="+mn-ea"/>
-                <a:cs typeface="+mn-cs"/>
-              </a:defRPr>
-            </a:lvl7pPr>
-            <a:lvl8pPr marL="3497783" indent="-233186" algn="l" defTabSz="932742" rtl="0" eaLnBrk="1" latinLnBrk="0" hangingPunct="1">
-              <a:spcBef>
-                <a:spcPct val="20000"/>
-              </a:spcBef>
-              <a:buFont typeface="Arial" pitchFamily="34" charset="0"/>
-              <a:buChar char="•"/>
-              <a:defRPr sz="2000" kern="1200">
-                <a:solidFill>
-                  <a:schemeClr val="tx1"/>
-                </a:solidFill>
-                <a:latin typeface="+mn-lt"/>
-                <a:ea typeface="+mn-ea"/>
-                <a:cs typeface="+mn-cs"/>
-              </a:defRPr>
-            </a:lvl8pPr>
-            <a:lvl9pPr marL="3964155" indent="-233186" algn="l" defTabSz="932742" rtl="0" eaLnBrk="1" latinLnBrk="0" hangingPunct="1">
-              <a:spcBef>
-                <a:spcPct val="20000"/>
-              </a:spcBef>
-              <a:buFont typeface="Arial" pitchFamily="34" charset="0"/>
-              <a:buChar char="•"/>
-              <a:defRPr sz="2000" kern="1200">
-                <a:solidFill>
-                  <a:schemeClr val="tx1"/>
-                </a:solidFill>
-                <a:latin typeface="+mn-lt"/>
-                <a:ea typeface="+mn-ea"/>
-                <a:cs typeface="+mn-cs"/>
-              </a:defRPr>
-            </a:lvl9pPr>
-          </a:lstStyle>
-          <a:p>
-            <a:r>
-              <a:rPr lang="en-US" dirty="0"/>
-              <a:t>Output</a:t>
+          <a:lstStyle/>
+          <a:p>
+            <a:r>
+              <a:rPr lang="en-FR" sz="2800" dirty="0"/>
+              <a:t>✅</a:t>
             </a:r>
           </a:p>
         </p:txBody>
@@ -32937,35 +32778,493 @@
       </p:sp>
       <p:sp>
         <p:nvSpPr>
-          <p:cNvPr id="7" name="TextBox 6">
+          <p:cNvPr id="3" name="Text Placeholder 8">
             <a:extLst>
               <a:ext uri="{FF2B5EF4-FFF2-40B4-BE49-F238E27FC236}">
-                <a16:creationId xmlns:a16="http://schemas.microsoft.com/office/drawing/2014/main" id="{6C1399D4-15D8-E445-459F-9155BFE870F8}"/>
+                <a16:creationId xmlns:a16="http://schemas.microsoft.com/office/drawing/2014/main" id="{24FC4481-8DF9-7967-AA46-01E54E67CD21}"/>
               </a:ext>
             </a:extLst>
           </p:cNvPr>
-          <p:cNvSpPr txBox="1"/>
+          <p:cNvSpPr txBox="1">
+            <a:spLocks/>
+          </p:cNvSpPr>
           <p:nvPr/>
         </p:nvSpPr>
         <p:spPr>
           <a:xfrm>
-            <a:off x="3905682" y="4123194"/>
-            <a:ext cx="359073" cy="430887"/>
+            <a:off x="0" y="4032323"/>
+            <a:ext cx="3788358" cy="446148"/>
+          </a:xfrm>
+          <a:prstGeom prst="rect">
+            <a:avLst/>
+          </a:prstGeom>
+          <a:solidFill>
+            <a:schemeClr val="tx2"/>
+          </a:solidFill>
+        </p:spPr>
+        <p:txBody>
+          <a:bodyPr vert="horz" wrap="square" lIns="585216" tIns="91440" rIns="0" bIns="45720" rtlCol="0">
+            <a:spAutoFit/>
+          </a:bodyPr>
+          <a:lstStyle>
+            <a:lvl1pPr marL="0" marR="0" indent="0" algn="l" defTabSz="932742" rtl="0" eaLnBrk="1" fontAlgn="auto" latinLnBrk="0" hangingPunct="1">
+              <a:lnSpc>
+                <a:spcPct val="100000"/>
+              </a:lnSpc>
+              <a:spcBef>
+                <a:spcPct val="20000"/>
+              </a:spcBef>
+              <a:spcAft>
+                <a:spcPts val="0"/>
+              </a:spcAft>
+              <a:buClrTx/>
+              <a:buSzPct val="90000"/>
+              <a:buFont typeface="Wingdings" panose="05000000000000000000" pitchFamily="2" charset="2"/>
+              <a:buNone/>
+              <a:tabLst/>
+              <a:defRPr sz="1999" kern="1200" spc="0" baseline="0">
+                <a:solidFill>
+                  <a:srgbClr val="FFFFFF"/>
+                </a:solidFill>
+                <a:latin typeface="+mj-lt"/>
+                <a:ea typeface="+mn-ea"/>
+                <a:cs typeface="Segoe UI" panose="020B0502040204020203" pitchFamily="34" charset="0"/>
+              </a:defRPr>
+            </a:lvl1pPr>
+            <a:lvl2pPr marL="457200" marR="0" indent="-228600" algn="l" defTabSz="932742" rtl="0" eaLnBrk="1" fontAlgn="auto" latinLnBrk="0" hangingPunct="1">
+              <a:lnSpc>
+                <a:spcPct val="100000"/>
+              </a:lnSpc>
+              <a:spcBef>
+                <a:spcPct val="20000"/>
+              </a:spcBef>
+              <a:spcAft>
+                <a:spcPts val="0"/>
+              </a:spcAft>
+              <a:buClrTx/>
+              <a:buSzPct val="90000"/>
+              <a:buFont typeface="Wingdings" panose="05000000000000000000" pitchFamily="2" charset="2"/>
+              <a:buChar char=""/>
+              <a:tabLst/>
+              <a:defRPr sz="2000" kern="1200" spc="0" baseline="0">
+                <a:solidFill>
+                  <a:schemeClr val="tx1"/>
+                </a:solidFill>
+                <a:latin typeface="+mn-lt"/>
+                <a:ea typeface="+mn-ea"/>
+                <a:cs typeface="+mn-cs"/>
+              </a:defRPr>
+            </a:lvl2pPr>
+            <a:lvl3pPr marL="657225" marR="0" indent="-200025" algn="l" defTabSz="932742" rtl="0" eaLnBrk="1" fontAlgn="auto" latinLnBrk="0" hangingPunct="1">
+              <a:lnSpc>
+                <a:spcPct val="100000"/>
+              </a:lnSpc>
+              <a:spcBef>
+                <a:spcPct val="20000"/>
+              </a:spcBef>
+              <a:spcAft>
+                <a:spcPts val="0"/>
+              </a:spcAft>
+              <a:buClrTx/>
+              <a:buSzPct val="90000"/>
+              <a:buFont typeface="Wingdings" panose="05000000000000000000" pitchFamily="2" charset="2"/>
+              <a:buChar char=""/>
+              <a:tabLst/>
+              <a:defRPr sz="1600" kern="1200" spc="0" baseline="0">
+                <a:solidFill>
+                  <a:schemeClr val="tx1"/>
+                </a:solidFill>
+                <a:latin typeface="+mn-lt"/>
+                <a:ea typeface="+mn-ea"/>
+                <a:cs typeface="+mn-cs"/>
+              </a:defRPr>
+            </a:lvl3pPr>
+            <a:lvl4pPr marL="842963" marR="0" indent="-180975" algn="l" defTabSz="932742" rtl="0" eaLnBrk="1" fontAlgn="auto" latinLnBrk="0" hangingPunct="1">
+              <a:lnSpc>
+                <a:spcPct val="100000"/>
+              </a:lnSpc>
+              <a:spcBef>
+                <a:spcPct val="20000"/>
+              </a:spcBef>
+              <a:spcAft>
+                <a:spcPts val="0"/>
+              </a:spcAft>
+              <a:buClrTx/>
+              <a:buSzPct val="90000"/>
+              <a:buFont typeface="Wingdings" panose="05000000000000000000" pitchFamily="2" charset="2"/>
+              <a:buChar char=""/>
+              <a:tabLst/>
+              <a:defRPr sz="1400" kern="1200" spc="0" baseline="0">
+                <a:solidFill>
+                  <a:schemeClr val="tx1"/>
+                </a:solidFill>
+                <a:latin typeface="+mn-lt"/>
+                <a:ea typeface="+mn-ea"/>
+                <a:cs typeface="+mn-cs"/>
+              </a:defRPr>
+            </a:lvl4pPr>
+            <a:lvl5pPr marL="1023938" marR="0" indent="-168275" algn="l" defTabSz="932742" rtl="0" eaLnBrk="1" fontAlgn="auto" latinLnBrk="0" hangingPunct="1">
+              <a:lnSpc>
+                <a:spcPct val="100000"/>
+              </a:lnSpc>
+              <a:spcBef>
+                <a:spcPct val="20000"/>
+              </a:spcBef>
+              <a:spcAft>
+                <a:spcPts val="0"/>
+              </a:spcAft>
+              <a:buClrTx/>
+              <a:buSzPct val="90000"/>
+              <a:buFont typeface="Wingdings" panose="05000000000000000000" pitchFamily="2" charset="2"/>
+              <a:buChar char=""/>
+              <a:tabLst/>
+              <a:defRPr sz="1400" kern="1200" spc="0" baseline="0">
+                <a:solidFill>
+                  <a:schemeClr val="tx1"/>
+                </a:solidFill>
+                <a:latin typeface="+mn-lt"/>
+                <a:ea typeface="+mn-ea"/>
+                <a:cs typeface="+mn-cs"/>
+              </a:defRPr>
+            </a:lvl5pPr>
+            <a:lvl6pPr marL="2565040" indent="-233186" algn="l" defTabSz="932742" rtl="0" eaLnBrk="1" latinLnBrk="0" hangingPunct="1">
+              <a:spcBef>
+                <a:spcPct val="20000"/>
+              </a:spcBef>
+              <a:buFont typeface="Arial" pitchFamily="34" charset="0"/>
+              <a:buChar char="•"/>
+              <a:defRPr sz="2000" kern="1200">
+                <a:solidFill>
+                  <a:schemeClr val="tx1"/>
+                </a:solidFill>
+                <a:latin typeface="+mn-lt"/>
+                <a:ea typeface="+mn-ea"/>
+                <a:cs typeface="+mn-cs"/>
+              </a:defRPr>
+            </a:lvl6pPr>
+            <a:lvl7pPr marL="3031412" indent="-233186" algn="l" defTabSz="932742" rtl="0" eaLnBrk="1" latinLnBrk="0" hangingPunct="1">
+              <a:spcBef>
+                <a:spcPct val="20000"/>
+              </a:spcBef>
+              <a:buFont typeface="Arial" pitchFamily="34" charset="0"/>
+              <a:buChar char="•"/>
+              <a:defRPr sz="2000" kern="1200">
+                <a:solidFill>
+                  <a:schemeClr val="tx1"/>
+                </a:solidFill>
+                <a:latin typeface="+mn-lt"/>
+                <a:ea typeface="+mn-ea"/>
+                <a:cs typeface="+mn-cs"/>
+              </a:defRPr>
+            </a:lvl7pPr>
+            <a:lvl8pPr marL="3497783" indent="-233186" algn="l" defTabSz="932742" rtl="0" eaLnBrk="1" latinLnBrk="0" hangingPunct="1">
+              <a:spcBef>
+                <a:spcPct val="20000"/>
+              </a:spcBef>
+              <a:buFont typeface="Arial" pitchFamily="34" charset="0"/>
+              <a:buChar char="•"/>
+              <a:defRPr sz="2000" kern="1200">
+                <a:solidFill>
+                  <a:schemeClr val="tx1"/>
+                </a:solidFill>
+                <a:latin typeface="+mn-lt"/>
+                <a:ea typeface="+mn-ea"/>
+                <a:cs typeface="+mn-cs"/>
+              </a:defRPr>
+            </a:lvl8pPr>
+            <a:lvl9pPr marL="3964155" indent="-233186" algn="l" defTabSz="932742" rtl="0" eaLnBrk="1" latinLnBrk="0" hangingPunct="1">
+              <a:spcBef>
+                <a:spcPct val="20000"/>
+              </a:spcBef>
+              <a:buFont typeface="Arial" pitchFamily="34" charset="0"/>
+              <a:buChar char="•"/>
+              <a:defRPr sz="2000" kern="1200">
+                <a:solidFill>
+                  <a:schemeClr val="tx1"/>
+                </a:solidFill>
+                <a:latin typeface="+mn-lt"/>
+                <a:ea typeface="+mn-ea"/>
+                <a:cs typeface="+mn-cs"/>
+              </a:defRPr>
+            </a:lvl9pPr>
+          </a:lstStyle>
+          <a:p>
+            <a:r>
+              <a:rPr lang="en-US" dirty="0"/>
+              <a:t>Output</a:t>
+            </a:r>
+          </a:p>
+        </p:txBody>
+      </p:sp>
+      <p:sp>
+        <p:nvSpPr>
+          <p:cNvPr id="8" name="Text Placeholder 7">
+            <a:extLst>
+              <a:ext uri="{FF2B5EF4-FFF2-40B4-BE49-F238E27FC236}">
+                <a16:creationId xmlns:a16="http://schemas.microsoft.com/office/drawing/2014/main" id="{44EE1DA2-87B1-1B30-FDED-7136A837B547}"/>
+              </a:ext>
+            </a:extLst>
+          </p:cNvPr>
+          <p:cNvSpPr>
+            <a:spLocks noGrp="1"/>
+          </p:cNvSpPr>
+          <p:nvPr>
+            <p:ph type="body" sz="quarter" idx="11"/>
+          </p:nvPr>
+        </p:nvSpPr>
+        <p:spPr>
+          <a:xfrm>
+            <a:off x="586389" y="2706779"/>
+            <a:ext cx="11018520" cy="1107611"/>
+          </a:xfrm>
+        </p:spPr>
+        <p:txBody>
+          <a:bodyPr/>
+          <a:lstStyle/>
+          <a:p>
+            <a:r>
+              <a:rPr lang="en-US" sz="2399" dirty="0">
+                <a:solidFill>
+                  <a:schemeClr val="tx1"/>
+                </a:solidFill>
+              </a:rPr>
+              <a:t>Q: When I was 6 years old, my sister was twice my age. Now I'm 30. How old is my sister?</a:t>
+            </a:r>
+            <a:br>
+              <a:rPr lang="en-US" sz="2399" dirty="0">
+                <a:solidFill>
+                  <a:schemeClr val="tx1"/>
+                </a:solidFill>
+              </a:rPr>
+            </a:br>
+            <a:r>
+              <a:rPr lang="en-US" sz="2399" dirty="0">
+                <a:solidFill>
+                  <a:schemeClr val="tx1"/>
+                </a:solidFill>
+              </a:rPr>
+              <a:t>A: Let’s think step by step</a:t>
+            </a:r>
+          </a:p>
+        </p:txBody>
+      </p:sp>
+      <p:sp>
+        <p:nvSpPr>
+          <p:cNvPr id="9" name="Text Placeholder 8">
+            <a:extLst>
+              <a:ext uri="{FF2B5EF4-FFF2-40B4-BE49-F238E27FC236}">
+                <a16:creationId xmlns:a16="http://schemas.microsoft.com/office/drawing/2014/main" id="{3B772DC0-0134-2658-43A4-F20649ED9D9D}"/>
+              </a:ext>
+            </a:extLst>
+          </p:cNvPr>
+          <p:cNvSpPr>
+            <a:spLocks noGrp="1"/>
+          </p:cNvSpPr>
+          <p:nvPr>
+            <p:ph type="body" sz="quarter" idx="13"/>
+          </p:nvPr>
+        </p:nvSpPr>
+        <p:spPr>
+          <a:xfrm>
+            <a:off x="0" y="2042698"/>
+            <a:ext cx="3788358" cy="446148"/>
+          </a:xfrm>
+        </p:spPr>
+        <p:txBody>
+          <a:bodyPr/>
+          <a:lstStyle/>
+          <a:p>
+            <a:r>
+              <a:rPr lang="en-US" dirty="0"/>
+              <a:t>Prompt</a:t>
+            </a:r>
+          </a:p>
+        </p:txBody>
+      </p:sp>
+      <p:sp>
+        <p:nvSpPr>
+          <p:cNvPr id="11" name="Text Placeholder 10">
+            <a:extLst>
+              <a:ext uri="{FF2B5EF4-FFF2-40B4-BE49-F238E27FC236}">
+                <a16:creationId xmlns:a16="http://schemas.microsoft.com/office/drawing/2014/main" id="{5626FAF6-E97F-09D6-46CC-4300F8C1D8C7}"/>
+              </a:ext>
+            </a:extLst>
+          </p:cNvPr>
+          <p:cNvSpPr>
+            <a:spLocks noGrp="1"/>
+          </p:cNvSpPr>
+          <p:nvPr>
+            <p:ph type="body" sz="quarter" idx="10"/>
+          </p:nvPr>
+        </p:nvSpPr>
+        <p:spPr>
+          <a:xfrm>
+            <a:off x="586390" y="1230681"/>
+            <a:ext cx="11018520" cy="369332"/>
+          </a:xfrm>
+        </p:spPr>
+        <p:txBody>
+          <a:bodyPr/>
+          <a:lstStyle/>
+          <a:p>
+            <a:r>
+              <a:rPr lang="en-US" dirty="0"/>
+              <a:t>Simulate human-like reasoning and decision-making</a:t>
+            </a:r>
+          </a:p>
+        </p:txBody>
+      </p:sp>
+      <p:sp>
+        <p:nvSpPr>
+          <p:cNvPr id="2" name="Title 1">
+            <a:extLst>
+              <a:ext uri="{FF2B5EF4-FFF2-40B4-BE49-F238E27FC236}">
+                <a16:creationId xmlns:a16="http://schemas.microsoft.com/office/drawing/2014/main" id="{099A8D6E-655B-7D76-A445-00D3A6E9DCDA}"/>
+              </a:ext>
+              <a:ext uri="{C183D7F6-B498-43B3-948B-1728B52AA6E4}">
+                <adec:decorative xmlns:adec="http://schemas.microsoft.com/office/drawing/2017/decorative" val="1"/>
+              </a:ext>
+            </a:extLst>
+          </p:cNvPr>
+          <p:cNvSpPr>
+            <a:spLocks/>
+          </p:cNvSpPr>
+          <p:nvPr/>
+        </p:nvSpPr>
+        <p:spPr>
+          <a:xfrm>
+            <a:off x="588263" y="457200"/>
+            <a:ext cx="11018520" cy="553998"/>
           </a:xfrm>
           <a:prstGeom prst="rect">
             <a:avLst/>
           </a:prstGeom>
           <a:noFill/>
+          <a:ln>
+            <a:noFill/>
+            <a:prstDash/>
+          </a:ln>
+          <a:effectLst/>
         </p:spPr>
         <p:txBody>
-          <a:bodyPr wrap="none" lIns="0" tIns="0" rIns="0" bIns="0" rtlCol="0">
+          <a:bodyPr rot="0" spcFirstLastPara="0" vertOverflow="overflow" horzOverflow="overflow" vert="horz" wrap="square" lIns="0" tIns="0" rIns="0" bIns="0" numCol="1" spcCol="0" rtlCol="0" fromWordArt="0" anchor="t" anchorCtr="0" forceAA="0" compatLnSpc="1">
+            <a:prstTxWarp prst="textNoShape">
+              <a:avLst/>
+            </a:prstTxWarp>
             <a:spAutoFit/>
           </a:bodyPr>
           <a:lstStyle/>
           <a:p>
-            <a:r>
-              <a:rPr lang="en-FR" sz="2800" dirty="0"/>
-              <a:t>✅</a:t>
+            <a:pPr marL="0" marR="0" lvl="0" indent="0" algn="l" defTabSz="932742" rtl="0" eaLnBrk="1" fontAlgn="auto" latinLnBrk="0" hangingPunct="1">
+              <a:lnSpc>
+                <a:spcPct val="100000"/>
+              </a:lnSpc>
+              <a:spcBef>
+                <a:spcPct val="0"/>
+              </a:spcBef>
+              <a:spcAft>
+                <a:spcPts val="0"/>
+              </a:spcAft>
+              <a:buClrTx/>
+              <a:buSzTx/>
+              <a:buFontTx/>
+              <a:buNone/>
+              <a:tabLst/>
+              <a:defRPr/>
+            </a:pPr>
+            <a:r>
+              <a:rPr kumimoji="0" lang="en-US" sz="3600" b="0" i="0" u="none" strike="noStrike" kern="1200" cap="none" spc="-50" normalizeH="0" baseline="0" noProof="0" dirty="0">
+                <a:ln w="3175">
+                  <a:noFill/>
+                </a:ln>
+                <a:solidFill>
+                  <a:schemeClr val="tx2"/>
+                </a:solidFill>
+                <a:effectLst/>
+                <a:uLnTx/>
+                <a:uFillTx/>
+                <a:latin typeface="+mj-lt"/>
+                <a:ea typeface="+mn-ea"/>
+                <a:cs typeface="Segoe UI" pitchFamily="34" charset="0"/>
+              </a:rPr>
+              <a:t>Chain of Thought</a:t>
+            </a:r>
+          </a:p>
+        </p:txBody>
+      </p:sp>
+      <p:sp>
+        <p:nvSpPr>
+          <p:cNvPr id="10" name="Title 9">
+            <a:extLst>
+              <a:ext uri="{FF2B5EF4-FFF2-40B4-BE49-F238E27FC236}">
+                <a16:creationId xmlns:a16="http://schemas.microsoft.com/office/drawing/2014/main" id="{51455A4D-40C0-99EA-2EDD-470B880BA13E}"/>
+              </a:ext>
+            </a:extLst>
+          </p:cNvPr>
+          <p:cNvSpPr txBox="1">
+            <a:spLocks noGrp="1"/>
+          </p:cNvSpPr>
+          <p:nvPr>
+            <p:ph type="title" idx="4294967295"/>
+          </p:nvPr>
+        </p:nvSpPr>
+        <p:spPr>
+          <a:xfrm>
+            <a:off x="170482" y="7139695"/>
+            <a:ext cx="2574423" cy="307777"/>
+          </a:xfrm>
+          <a:prstGeom prst="rect">
+            <a:avLst/>
+          </a:prstGeom>
+          <a:noFill/>
+          <a:ln>
+            <a:noFill/>
+            <a:prstDash/>
+          </a:ln>
+          <a:effectLst/>
+        </p:spPr>
+        <p:txBody>
+          <a:bodyPr rot="0" spcFirstLastPara="0" vertOverflow="overflow" horzOverflow="overflow" vert="horz" wrap="none" lIns="0" tIns="0" rIns="0" bIns="0" numCol="1" spcCol="0" rtlCol="0" fromWordArt="0" anchor="t" anchorCtr="0" forceAA="0" compatLnSpc="1">
+            <a:prstTxWarp prst="textNoShape">
+              <a:avLst/>
+            </a:prstTxWarp>
+            <a:spAutoFit/>
+          </a:bodyPr>
+          <a:lstStyle/>
+          <a:p>
+            <a:pPr marL="0" marR="0" lvl="0" indent="0" algn="l" defTabSz="914400" rtl="0" eaLnBrk="1" fontAlgn="auto" latinLnBrk="0" hangingPunct="1">
+              <a:lnSpc>
+                <a:spcPct val="100000"/>
+              </a:lnSpc>
+              <a:spcBef>
+                <a:spcPts val="0"/>
+              </a:spcBef>
+              <a:spcAft>
+                <a:spcPts val="0"/>
+              </a:spcAft>
+              <a:buClrTx/>
+              <a:buSzTx/>
+              <a:buFontTx/>
+              <a:buNone/>
+              <a:tabLst/>
+              <a:defRPr/>
+            </a:pPr>
+            <a:r>
+              <a:rPr kumimoji="0" lang="en-FR" sz="2000" b="0" i="0" u="none" strike="noStrike" kern="1200" cap="none" spc="0" normalizeH="0" baseline="0" noProof="0" dirty="0">
+                <a:ln>
+                  <a:noFill/>
+                </a:ln>
+                <a:solidFill>
+                  <a:schemeClr val="tx1"/>
+                </a:solidFill>
+                <a:effectLst/>
+                <a:uLnTx/>
+                <a:uFillTx/>
+                <a:latin typeface="+mn-lt"/>
+                <a:ea typeface="+mn-ea"/>
+                <a:cs typeface="+mn-cs"/>
+              </a:rPr>
+              <a:t>Chain of Thought (2/2)</a:t>
             </a:r>
           </a:p>
         </p:txBody>
@@ -33302,8 +33601,8 @@
     </p:tnLst>
     <p:bldLst>
       <p:bldP spid="12" grpId="0" animBg="1"/>
+      <p:bldP spid="7" grpId="0"/>
       <p:bldP spid="4" grpId="0"/>
-      <p:bldP spid="7" grpId="0"/>
     </p:bldLst>
   </p:timing>
 </p:sld>
@@ -33399,6 +33698,9 @@
             <a:extLst>
               <a:ext uri="{FF2B5EF4-FFF2-40B4-BE49-F238E27FC236}">
                 <a16:creationId xmlns:a16="http://schemas.microsoft.com/office/drawing/2014/main" id="{5B24A98B-7D5C-83F7-F045-4F9D29FCCB67}"/>
+              </a:ext>
+              <a:ext uri="{C183D7F6-B498-43B3-948B-1728B52AA6E4}">
+                <adec:decorative xmlns:adec="http://schemas.microsoft.com/office/drawing/2017/decorative" val="1"/>
               </a:ext>
             </a:extLst>
           </p:cNvPr>
@@ -34070,6 +34372,9 @@
               <a:ext uri="{FF2B5EF4-FFF2-40B4-BE49-F238E27FC236}">
                 <a16:creationId xmlns:a16="http://schemas.microsoft.com/office/drawing/2014/main" id="{BF57C143-63E7-EABA-5F5E-DC58E90E388F}"/>
               </a:ext>
+              <a:ext uri="{C183D7F6-B498-43B3-948B-1728B52AA6E4}">
+                <adec:decorative xmlns:adec="http://schemas.microsoft.com/office/drawing/2017/decorative" val="1"/>
+              </a:ext>
             </a:extLst>
           </p:cNvPr>
           <p:cNvSpPr/>
@@ -34140,6 +34445,9 @@
             <a:extLst>
               <a:ext uri="{FF2B5EF4-FFF2-40B4-BE49-F238E27FC236}">
                 <a16:creationId xmlns:a16="http://schemas.microsoft.com/office/drawing/2014/main" id="{302C8394-5CB3-6DB7-4423-1D3B0F3DFF16}"/>
+              </a:ext>
+              <a:ext uri="{C183D7F6-B498-43B3-948B-1728B52AA6E4}">
+                <adec:decorative xmlns:adec="http://schemas.microsoft.com/office/drawing/2017/decorative" val="1"/>
               </a:ext>
             </a:extLst>
           </p:cNvPr>

--- a/slides/02-prompt-engineering.pptx
+++ b/slides/02-prompt-engineering.pptx
@@ -1185,7 +1185,7 @@
           <a:p>
             <a:fld id="{855B53BB-9CA8-4E36-AA7C-C10D869BF69A}" type="datetimeFigureOut">
               <a:rPr lang="en-US" smtClean="0"/>
-              <a:t>9/27/24</a:t>
+              <a:t>9/30/24</a:t>
             </a:fld>
             <a:endParaRPr lang="en-US"/>
           </a:p>
@@ -1918,7 +1918,7 @@
                 <a:tabLst/>
                 <a:defRPr/>
               </a:pPr>
-              <a:t>9/27/24 3:46 PM</a:t>
+              <a:t>9/30/24 2:15 PM</a:t>
             </a:fld>
             <a:endParaRPr kumimoji="0" lang="en-US" sz="1200" b="0" i="0" u="none" strike="noStrike" kern="1200" cap="none" spc="0" normalizeH="0" baseline="0" noProof="0" dirty="0">
               <a:ln>
@@ -2316,7 +2316,7 @@
                 <a:tabLst/>
                 <a:defRPr/>
               </a:pPr>
-              <a:t>9/27/24 3:46 PM</a:t>
+              <a:t>9/30/24 2:15 PM</a:t>
             </a:fld>
             <a:endParaRPr kumimoji="0" lang="en-US" sz="1200" b="0" i="0" u="none" strike="noStrike" kern="1200" cap="none" spc="0" normalizeH="0" baseline="0" noProof="0" dirty="0">
               <a:ln>
@@ -2707,7 +2707,7 @@
                 <a:tabLst/>
                 <a:defRPr/>
               </a:pPr>
-              <a:t>9/27/24 3:46 PM</a:t>
+              <a:t>9/30/24 2:15 PM</a:t>
             </a:fld>
             <a:endParaRPr kumimoji="0" lang="en-US" sz="1200" b="0" i="0" u="none" strike="noStrike" kern="1200" cap="none" spc="0" normalizeH="0" baseline="0" noProof="0" dirty="0">
               <a:ln>
@@ -3135,7 +3135,7 @@
                 <a:tabLst/>
                 <a:defRPr/>
               </a:pPr>
-              <a:t>9/27/24 3:46 PM</a:t>
+              <a:t>9/30/24 2:15 PM</a:t>
             </a:fld>
             <a:endParaRPr kumimoji="0" lang="en-US" sz="1200" b="0" i="0" u="none" strike="noStrike" kern="1200" cap="none" spc="0" normalizeH="0" baseline="0" noProof="0" dirty="0">
               <a:ln>
@@ -3635,8 +3635,12 @@
               <a:defRPr/>
             </a:pPr>
             <a:r>
+              <a:rPr lang="en-FR" b="0" i="1"/>
+              <a:t>Next session: </a:t>
+            </a:r>
+            <a:r>
               <a:rPr lang="en-FR" b="0" i="1" dirty="0"/>
-              <a:t>Next video: We’ll talk about RAG, a more complex prompt engineering technique to i</a:t>
+              <a:t>We’ll talk about RAG, a more complex prompt engineering technique to i</a:t>
             </a:r>
             <a:r>
               <a:rPr lang="en-GB" b="0" i="1" dirty="0" err="1">
@@ -3748,10 +3752,7 @@
           <a:bodyPr/>
           <a:lstStyle/>
           <a:p>
-            <a:r>
-              <a:rPr lang="en-FR" dirty="0"/>
-              <a:t>Next video: Improve AI accuracy and reliability with RAG</a:t>
-            </a:r>
+            <a:endParaRPr lang="en-FR" dirty="0"/>
           </a:p>
         </p:txBody>
       </p:sp>
@@ -4093,7 +4094,7 @@
                 <a:tabLst/>
                 <a:defRPr/>
               </a:pPr>
-              <a:t>9/27/24 3:46 PM</a:t>
+              <a:t>9/30/24 2:15 PM</a:t>
             </a:fld>
             <a:endParaRPr kumimoji="0" lang="en-US" sz="1200" b="0" i="0" u="none" strike="noStrike" kern="1200" cap="none" spc="0" normalizeH="0" baseline="0" noProof="0" dirty="0">
               <a:ln>
@@ -4519,7 +4520,7 @@
                 <a:tabLst/>
                 <a:defRPr/>
               </a:pPr>
-              <a:t>9/27/24 3:46 PM</a:t>
+              <a:t>9/30/24 2:15 PM</a:t>
             </a:fld>
             <a:endParaRPr kumimoji="0" lang="en-US" sz="1200" b="0" i="0" u="none" strike="noStrike" kern="1200" cap="none" spc="0" normalizeH="0" baseline="0" noProof="0" dirty="0">
               <a:ln>
@@ -4948,7 +4949,7 @@
                 <a:tabLst/>
                 <a:defRPr/>
               </a:pPr>
-              <a:t>9/27/24 3:46 PM</a:t>
+              <a:t>9/30/24 2:15 PM</a:t>
             </a:fld>
             <a:endParaRPr kumimoji="0" lang="en-US" sz="1200" b="0" i="0" u="none" strike="noStrike" kern="1200" cap="none" spc="0" normalizeH="0" baseline="0" noProof="0">
               <a:ln>
@@ -5356,7 +5357,7 @@
                 <a:tabLst/>
                 <a:defRPr/>
               </a:pPr>
-              <a:t>9/27/24 3:46 PM</a:t>
+              <a:t>9/30/24 2:15 PM</a:t>
             </a:fld>
             <a:endParaRPr kumimoji="0" lang="en-US" sz="1200" b="0" i="0" u="none" strike="noStrike" kern="1200" cap="none" spc="0" normalizeH="0" baseline="0" noProof="0">
               <a:ln>
@@ -5779,7 +5780,7 @@
                 <a:tabLst/>
                 <a:defRPr/>
               </a:pPr>
-              <a:t>9/27/24 3:46 PM</a:t>
+              <a:t>9/30/24 2:15 PM</a:t>
             </a:fld>
             <a:endParaRPr kumimoji="0" lang="en-US" sz="1200" b="0" i="0" u="none" strike="noStrike" kern="1200" cap="none" spc="0" normalizeH="0" baseline="0" noProof="0">
               <a:ln>
@@ -6187,7 +6188,7 @@
                 <a:tabLst/>
                 <a:defRPr/>
               </a:pPr>
-              <a:t>9/27/24 3:46 PM</a:t>
+              <a:t>9/30/24 2:15 PM</a:t>
             </a:fld>
             <a:endParaRPr kumimoji="0" lang="en-US" sz="1200" b="0" i="0" u="none" strike="noStrike" kern="1200" cap="none" spc="0" normalizeH="0" baseline="0" noProof="0">
               <a:ln>
@@ -6584,7 +6585,7 @@
                 <a:tabLst/>
                 <a:defRPr/>
               </a:pPr>
-              <a:t>9/27/24 3:46 PM</a:t>
+              <a:t>9/30/24 2:15 PM</a:t>
             </a:fld>
             <a:endParaRPr kumimoji="0" lang="en-US" sz="1200" b="0" i="0" u="none" strike="noStrike" kern="1200" cap="none" spc="0" normalizeH="0" baseline="0" noProof="0" dirty="0">
               <a:ln>
@@ -6974,7 +6975,7 @@
                 <a:tabLst/>
                 <a:defRPr/>
               </a:pPr>
-              <a:t>9/27/24 3:46 PM</a:t>
+              <a:t>9/30/24 2:15 PM</a:t>
             </a:fld>
             <a:endParaRPr kumimoji="0" lang="en-US" sz="1200" b="0" i="0" u="none" strike="noStrike" kern="1200" cap="none" spc="0" normalizeH="0" baseline="0" noProof="0" dirty="0">
               <a:ln>
